--- a/Egg drop lab.pptx
+++ b/Egg drop lab.pptx
@@ -230,7 +230,7 @@
           <a:p>
             <a:fld id="{B860B616-BCB2-4E7C-BAA6-B90DF21B9EDF}" type="datetimeFigureOut">
               <a:rPr lang="en-US" smtClean="0"/>
-              <a:t>1/5/2023</a:t>
+              <a:t>1/6/2023</a:t>
             </a:fld>
             <a:endParaRPr lang="en-US" dirty="0"/>
           </a:p>
@@ -36044,55 +36044,283 @@
           </a:p>
         </p:txBody>
       </p:sp>
-      <p:sp>
-        <p:nvSpPr>
-          <p:cNvPr id="2" name="Rectangle 1">
+      <mc:AlternateContent xmlns:mc="http://schemas.openxmlformats.org/markup-compatibility/2006">
+        <mc:Choice xmlns:am3d="http://schemas.microsoft.com/office/drawing/2017/model3d" Requires="am3d">
+          <p:graphicFrame>
+            <p:nvGraphicFramePr>
+              <p:cNvPr id="6" name="3D Model 5">
+                <a:extLst>
+                  <a:ext uri="{FF2B5EF4-FFF2-40B4-BE49-F238E27FC236}">
+                    <a16:creationId xmlns:a16="http://schemas.microsoft.com/office/drawing/2014/main" id="{0BB3B85A-ED77-2D1A-EA6C-A2745F150808}"/>
+                  </a:ext>
+                </a:extLst>
+              </p:cNvPr>
+              <p:cNvGraphicFramePr>
+                <a:graphicFrameLocks noChangeAspect="1"/>
+              </p:cNvGraphicFramePr>
+              <p:nvPr>
+                <p:extLst>
+                  <p:ext uri="{D42A27DB-BD31-4B8C-83A1-F6EECF244321}">
+                    <p14:modId xmlns:p14="http://schemas.microsoft.com/office/powerpoint/2010/main" val="3759746450"/>
+                  </p:ext>
+                </p:extLst>
+              </p:nvPr>
+            </p:nvGraphicFramePr>
+            <p:xfrm>
+              <a:off x="6096000" y="-4509082"/>
+              <a:ext cx="3875051" cy="4313019"/>
+            </p:xfrm>
+            <a:graphic>
+              <a:graphicData uri="http://schemas.microsoft.com/office/drawing/2017/model3d">
+                <am3d:model3d r:embed="rId2">
+                  <am3d:spPr>
+                    <a:xfrm>
+                      <a:off x="0" y="0"/>
+                      <a:ext cx="3875051" cy="4313019"/>
+                    </a:xfrm>
+                    <a:prstGeom prst="rect">
+                      <a:avLst/>
+                    </a:prstGeom>
+                  </am3d:spPr>
+                  <am3d:camera>
+                    <am3d:pos x="0" y="0" z="69325936"/>
+                    <am3d:up dx="0" dy="36000000" dz="0"/>
+                    <am3d:lookAt x="0" y="0" z="0"/>
+                    <am3d:perspective fov="2700000"/>
+                  </am3d:camera>
+                  <am3d:trans>
+                    <am3d:meterPerModelUnit n="362193" d="1000000"/>
+                    <am3d:preTrans dx="24415" dy="755" dz="-8666828"/>
+                    <am3d:scale>
+                      <am3d:sx n="1000000" d="1000000"/>
+                      <am3d:sy n="1000000" d="1000000"/>
+                      <am3d:sz n="1000000" d="1000000"/>
+                    </am3d:scale>
+                    <am3d:rot ax="4017217" ay="619180" az="1370077"/>
+                    <am3d:postTrans dx="0" dy="0" dz="0"/>
+                  </am3d:trans>
+                  <am3d:raster rName="Office3DRenderer" rVer="16.0.8326">
+                    <am3d:blip r:embed="rId3"/>
+                  </am3d:raster>
+                  <am3d:objViewport viewportSz="7074110"/>
+                  <am3d:ambientLight>
+                    <am3d:clr>
+                      <a:scrgbClr r="50000" g="50000" b="50000"/>
+                    </am3d:clr>
+                    <am3d:illuminance n="500000" d="1000000"/>
+                  </am3d:ambientLight>
+                  <am3d:ptLight rad="0">
+                    <am3d:clr>
+                      <a:scrgbClr r="100000" g="75000" b="50000"/>
+                    </am3d:clr>
+                    <am3d:intensity n="9765625" d="1000000"/>
+                    <am3d:pos x="21959998" y="70920001" z="16344003"/>
+                  </am3d:ptLight>
+                  <am3d:ptLight rad="0">
+                    <am3d:clr>
+                      <a:scrgbClr r="40000" g="60000" b="95000"/>
+                    </am3d:clr>
+                    <am3d:intensity n="12250000" d="1000000"/>
+                    <am3d:pos x="-37964106" y="51130435" z="57631972"/>
+                  </am3d:ptLight>
+                  <am3d:ptLight rad="0">
+                    <am3d:clr>
+                      <a:scrgbClr r="86837" g="72700" b="100000"/>
+                    </am3d:clr>
+                    <am3d:intensity n="3125000" d="1000000"/>
+                    <am3d:pos x="-37739122" y="58056624" z="-34769649"/>
+                  </am3d:ptLight>
+                </am3d:model3d>
+              </a:graphicData>
+            </a:graphic>
+          </p:graphicFrame>
+        </mc:Choice>
+        <mc:Fallback>
+          <p:pic>
+            <p:nvPicPr>
+              <p:cNvPr id="6" name="3D Model 5">
+                <a:extLst>
+                  <a:ext uri="{FF2B5EF4-FFF2-40B4-BE49-F238E27FC236}">
+                    <a16:creationId xmlns:a16="http://schemas.microsoft.com/office/drawing/2014/main" id="{0BB3B85A-ED77-2D1A-EA6C-A2745F150808}"/>
+                  </a:ext>
+                </a:extLst>
+              </p:cNvPr>
+              <p:cNvPicPr>
+                <a:picLocks noGrp="1" noRot="1" noChangeAspect="1" noMove="1" noResize="1" noEditPoints="1" noAdjustHandles="1" noChangeArrowheads="1" noChangeShapeType="1" noCrop="1"/>
+              </p:cNvPicPr>
+              <p:nvPr/>
+            </p:nvPicPr>
+            <p:blipFill>
+              <a:blip r:embed="rId3"/>
+              <a:stretch>
+                <a:fillRect/>
+              </a:stretch>
+            </p:blipFill>
+            <p:spPr>
+              <a:xfrm>
+                <a:off x="6096000" y="-4509082"/>
+                <a:ext cx="3875051" cy="4313019"/>
+              </a:xfrm>
+              <a:prstGeom prst="rect">
+                <a:avLst/>
+              </a:prstGeom>
+            </p:spPr>
+          </p:pic>
+        </mc:Fallback>
+      </mc:AlternateContent>
+      <mc:AlternateContent xmlns:mc="http://schemas.openxmlformats.org/markup-compatibility/2006">
+        <mc:Choice xmlns:am3d="http://schemas.microsoft.com/office/drawing/2017/model3d" Requires="am3d">
+          <p:graphicFrame>
+            <p:nvGraphicFramePr>
+              <p:cNvPr id="9" name="3D Model 8">
+                <a:extLst>
+                  <a:ext uri="{FF2B5EF4-FFF2-40B4-BE49-F238E27FC236}">
+                    <a16:creationId xmlns:a16="http://schemas.microsoft.com/office/drawing/2014/main" id="{2AD15B51-D201-B7EF-2A9C-15F93C083454}"/>
+                  </a:ext>
+                </a:extLst>
+              </p:cNvPr>
+              <p:cNvGraphicFramePr>
+                <a:graphicFrameLocks noChangeAspect="1"/>
+              </p:cNvGraphicFramePr>
+              <p:nvPr>
+                <p:extLst>
+                  <p:ext uri="{D42A27DB-BD31-4B8C-83A1-F6EECF244321}">
+                    <p14:modId xmlns:p14="http://schemas.microsoft.com/office/powerpoint/2010/main" val="422238625"/>
+                  </p:ext>
+                </p:extLst>
+              </p:nvPr>
+            </p:nvGraphicFramePr>
+            <p:xfrm rot="16200000">
+              <a:off x="-3550970" y="3385987"/>
+              <a:ext cx="3370864" cy="3447042"/>
+            </p:xfrm>
+            <a:graphic>
+              <a:graphicData uri="http://schemas.microsoft.com/office/drawing/2017/model3d">
+                <am3d:model3d r:embed="rId2">
+                  <am3d:spPr>
+                    <a:xfrm rot="16200000">
+                      <a:off x="0" y="0"/>
+                      <a:ext cx="3370864" cy="3447042"/>
+                    </a:xfrm>
+                    <a:prstGeom prst="rect">
+                      <a:avLst/>
+                    </a:prstGeom>
+                  </am3d:spPr>
+                  <am3d:camera>
+                    <am3d:pos x="0" y="0" z="69325936"/>
+                    <am3d:up dx="0" dy="36000000" dz="0"/>
+                    <am3d:lookAt x="0" y="0" z="0"/>
+                    <am3d:perspective fov="2700000"/>
+                  </am3d:camera>
+                  <am3d:trans>
+                    <am3d:meterPerModelUnit n="362193" d="1000000"/>
+                    <am3d:preTrans dx="24415" dy="755" dz="-8666828"/>
+                    <am3d:scale>
+                      <am3d:sx n="1000000" d="1000000"/>
+                      <am3d:sy n="1000000" d="1000000"/>
+                      <am3d:sz n="1000000" d="1000000"/>
+                    </am3d:scale>
+                    <am3d:rot ax="1055143" ay="826144" az="258838"/>
+                    <am3d:postTrans dx="0" dy="0" dz="0"/>
+                  </am3d:trans>
+                  <am3d:raster rName="Office3DRenderer" rVer="16.0.8326">
+                    <am3d:blip r:embed="rId4"/>
+                  </am3d:raster>
+                  <am3d:objViewport viewportSz="6665550"/>
+                  <am3d:ambientLight>
+                    <am3d:clr>
+                      <a:scrgbClr r="50000" g="50000" b="50000"/>
+                    </am3d:clr>
+                    <am3d:illuminance n="500000" d="1000000"/>
+                  </am3d:ambientLight>
+                  <am3d:ptLight rad="0">
+                    <am3d:clr>
+                      <a:scrgbClr r="100000" g="75000" b="50000"/>
+                    </am3d:clr>
+                    <am3d:intensity n="9765625" d="1000000"/>
+                    <am3d:pos x="21959998" y="70920001" z="16344003"/>
+                  </am3d:ptLight>
+                  <am3d:ptLight rad="0">
+                    <am3d:clr>
+                      <a:scrgbClr r="40000" g="60000" b="95000"/>
+                    </am3d:clr>
+                    <am3d:intensity n="12250000" d="1000000"/>
+                    <am3d:pos x="-37964106" y="51130435" z="57631972"/>
+                  </am3d:ptLight>
+                  <am3d:ptLight rad="0">
+                    <am3d:clr>
+                      <a:scrgbClr r="86837" g="72700" b="100000"/>
+                    </am3d:clr>
+                    <am3d:intensity n="3125000" d="1000000"/>
+                    <am3d:pos x="-37739122" y="58056624" z="-34769649"/>
+                  </am3d:ptLight>
+                </am3d:model3d>
+              </a:graphicData>
+            </a:graphic>
+          </p:graphicFrame>
+        </mc:Choice>
+        <mc:Fallback>
+          <p:pic>
+            <p:nvPicPr>
+              <p:cNvPr id="9" name="3D Model 8">
+                <a:extLst>
+                  <a:ext uri="{FF2B5EF4-FFF2-40B4-BE49-F238E27FC236}">
+                    <a16:creationId xmlns:a16="http://schemas.microsoft.com/office/drawing/2014/main" id="{2AD15B51-D201-B7EF-2A9C-15F93C083454}"/>
+                  </a:ext>
+                </a:extLst>
+              </p:cNvPr>
+              <p:cNvPicPr>
+                <a:picLocks noGrp="1" noRot="1" noChangeAspect="1" noMove="1" noResize="1" noEditPoints="1" noAdjustHandles="1" noChangeArrowheads="1" noChangeShapeType="1" noCrop="1"/>
+              </p:cNvPicPr>
+              <p:nvPr/>
+            </p:nvPicPr>
+            <p:blipFill>
+              <a:blip r:embed="rId4"/>
+              <a:stretch>
+                <a:fillRect/>
+              </a:stretch>
+            </p:blipFill>
+            <p:spPr>
+              <a:xfrm rot="16200000">
+                <a:off x="-3550970" y="3385987"/>
+                <a:ext cx="3370864" cy="3447042"/>
+              </a:xfrm>
+              <a:prstGeom prst="rect">
+                <a:avLst/>
+              </a:prstGeom>
+            </p:spPr>
+          </p:pic>
+        </mc:Fallback>
+      </mc:AlternateContent>
+      <p:pic>
+        <p:nvPicPr>
+          <p:cNvPr id="8" name="Picture 7" descr="A picture containing table, indoor&#10;&#10;Description automatically generated">
             <a:extLst>
               <a:ext uri="{FF2B5EF4-FFF2-40B4-BE49-F238E27FC236}">
-                <a16:creationId xmlns:a16="http://schemas.microsoft.com/office/drawing/2014/main" id="{FA393537-FC8C-CF39-703C-FB5E2094F2ED}"/>
+                <a16:creationId xmlns:a16="http://schemas.microsoft.com/office/drawing/2014/main" id="{29DC28F0-F960-9A9F-2CED-142A779A5E74}"/>
               </a:ext>
             </a:extLst>
           </p:cNvPr>
-          <p:cNvSpPr/>
+          <p:cNvPicPr>
+            <a:picLocks noChangeAspect="1"/>
+          </p:cNvPicPr>
           <p:nvPr/>
-        </p:nvSpPr>
+        </p:nvPicPr>
+        <p:blipFill rotWithShape="1">
+          <a:blip r:embed="rId5"/>
+          <a:srcRect l="3260" t="3248" b="14017"/>
+          <a:stretch/>
+        </p:blipFill>
         <p:spPr>
           <a:xfrm>
-            <a:off x="7745822" y="1433446"/>
-            <a:ext cx="3653698" cy="3901440"/>
+            <a:off x="7294404" y="592015"/>
+            <a:ext cx="3731849" cy="5673970"/>
           </a:xfrm>
           <a:prstGeom prst="rect">
             <a:avLst/>
           </a:prstGeom>
         </p:spPr>
-        <p:style>
-          <a:lnRef idx="2">
-            <a:schemeClr val="dk1">
-              <a:shade val="50000"/>
-            </a:schemeClr>
-          </a:lnRef>
-          <a:fillRef idx="1">
-            <a:schemeClr val="dk1"/>
-          </a:fillRef>
-          <a:effectRef idx="0">
-            <a:schemeClr val="dk1"/>
-          </a:effectRef>
-          <a:fontRef idx="minor">
-            <a:schemeClr val="lt1"/>
-          </a:fontRef>
-        </p:style>
-        <p:txBody>
-          <a:bodyPr rtlCol="0" anchor="ctr"/>
-          <a:lstStyle/>
-          <a:p>
-            <a:pPr algn="ctr"/>
-            <a:r>
-              <a:rPr lang="en-US" dirty="0"/>
-              <a:t>Image Here</a:t>
-            </a:r>
-          </a:p>
-        </p:txBody>
-      </p:sp>
+      </p:pic>
       <mc:AlternateContent xmlns:mc="http://schemas.openxmlformats.org/markup-compatibility/2006">
         <mc:Choice xmlns:am3d="http://schemas.microsoft.com/office/drawing/2017/model3d" Requires="am3d">
           <p:graphicFrame>
@@ -36121,7 +36349,7 @@
             </p:xfrm>
             <a:graphic>
               <a:graphicData uri="http://schemas.microsoft.com/office/drawing/2017/model3d">
-                <am3d:model3d r:embed="rId2">
+                <am3d:model3d r:embed="rId6">
                   <am3d:spPr>
                     <a:xfrm>
                       <a:off x="0" y="0"/>
@@ -36149,7 +36377,7 @@
                     <am3d:postTrans dx="0" dy="0" dz="0"/>
                   </am3d:trans>
                   <am3d:raster rName="Office3DRenderer" rVer="16.0.8326">
-                    <am3d:blip r:embed="rId3"/>
+                    <am3d:blip r:embed="rId7"/>
                   </am3d:raster>
                   <am3d:objViewport viewportSz="3240425"/>
                   <am3d:ambientLight>
@@ -36200,7 +36428,7 @@
               <p:nvPr/>
             </p:nvPicPr>
             <p:blipFill>
-              <a:blip r:embed="rId3"/>
+              <a:blip r:embed="rId7"/>
               <a:stretch>
                 <a:fillRect/>
               </a:stretch>
@@ -36209,254 +36437,6 @@
               <a:xfrm>
                 <a:off x="9982199" y="4618089"/>
                 <a:ext cx="2214133" cy="2239910"/>
-              </a:xfrm>
-              <a:prstGeom prst="rect">
-                <a:avLst/>
-              </a:prstGeom>
-            </p:spPr>
-          </p:pic>
-        </mc:Fallback>
-      </mc:AlternateContent>
-      <mc:AlternateContent xmlns:mc="http://schemas.openxmlformats.org/markup-compatibility/2006">
-        <mc:Choice xmlns:am3d="http://schemas.microsoft.com/office/drawing/2017/model3d" Requires="am3d">
-          <p:graphicFrame>
-            <p:nvGraphicFramePr>
-              <p:cNvPr id="6" name="3D Model 5">
-                <a:extLst>
-                  <a:ext uri="{FF2B5EF4-FFF2-40B4-BE49-F238E27FC236}">
-                    <a16:creationId xmlns:a16="http://schemas.microsoft.com/office/drawing/2014/main" id="{0BB3B85A-ED77-2D1A-EA6C-A2745F150808}"/>
-                  </a:ext>
-                </a:extLst>
-              </p:cNvPr>
-              <p:cNvGraphicFramePr>
-                <a:graphicFrameLocks noChangeAspect="1"/>
-              </p:cNvGraphicFramePr>
-              <p:nvPr>
-                <p:extLst>
-                  <p:ext uri="{D42A27DB-BD31-4B8C-83A1-F6EECF244321}">
-                    <p14:modId xmlns:p14="http://schemas.microsoft.com/office/powerpoint/2010/main" val="3759746450"/>
-                  </p:ext>
-                </p:extLst>
-              </p:nvPr>
-            </p:nvGraphicFramePr>
-            <p:xfrm>
-              <a:off x="6096000" y="-4509082"/>
-              <a:ext cx="3875051" cy="4313019"/>
-            </p:xfrm>
-            <a:graphic>
-              <a:graphicData uri="http://schemas.microsoft.com/office/drawing/2017/model3d">
-                <am3d:model3d r:embed="rId4">
-                  <am3d:spPr>
-                    <a:xfrm>
-                      <a:off x="0" y="0"/>
-                      <a:ext cx="3875051" cy="4313019"/>
-                    </a:xfrm>
-                    <a:prstGeom prst="rect">
-                      <a:avLst/>
-                    </a:prstGeom>
-                  </am3d:spPr>
-                  <am3d:camera>
-                    <am3d:pos x="0" y="0" z="69325936"/>
-                    <am3d:up dx="0" dy="36000000" dz="0"/>
-                    <am3d:lookAt x="0" y="0" z="0"/>
-                    <am3d:perspective fov="2700000"/>
-                  </am3d:camera>
-                  <am3d:trans>
-                    <am3d:meterPerModelUnit n="362193" d="1000000"/>
-                    <am3d:preTrans dx="24415" dy="755" dz="-8666828"/>
-                    <am3d:scale>
-                      <am3d:sx n="1000000" d="1000000"/>
-                      <am3d:sy n="1000000" d="1000000"/>
-                      <am3d:sz n="1000000" d="1000000"/>
-                    </am3d:scale>
-                    <am3d:rot ax="4017217" ay="619180" az="1370077"/>
-                    <am3d:postTrans dx="0" dy="0" dz="0"/>
-                  </am3d:trans>
-                  <am3d:raster rName="Office3DRenderer" rVer="16.0.8326">
-                    <am3d:blip r:embed="rId5"/>
-                  </am3d:raster>
-                  <am3d:objViewport viewportSz="7074110"/>
-                  <am3d:ambientLight>
-                    <am3d:clr>
-                      <a:scrgbClr r="50000" g="50000" b="50000"/>
-                    </am3d:clr>
-                    <am3d:illuminance n="500000" d="1000000"/>
-                  </am3d:ambientLight>
-                  <am3d:ptLight rad="0">
-                    <am3d:clr>
-                      <a:scrgbClr r="100000" g="75000" b="50000"/>
-                    </am3d:clr>
-                    <am3d:intensity n="9765625" d="1000000"/>
-                    <am3d:pos x="21959998" y="70920001" z="16344003"/>
-                  </am3d:ptLight>
-                  <am3d:ptLight rad="0">
-                    <am3d:clr>
-                      <a:scrgbClr r="40000" g="60000" b="95000"/>
-                    </am3d:clr>
-                    <am3d:intensity n="12250000" d="1000000"/>
-                    <am3d:pos x="-37964106" y="51130435" z="57631972"/>
-                  </am3d:ptLight>
-                  <am3d:ptLight rad="0">
-                    <am3d:clr>
-                      <a:scrgbClr r="86837" g="72700" b="100000"/>
-                    </am3d:clr>
-                    <am3d:intensity n="3125000" d="1000000"/>
-                    <am3d:pos x="-37739122" y="58056624" z="-34769649"/>
-                  </am3d:ptLight>
-                </am3d:model3d>
-              </a:graphicData>
-            </a:graphic>
-          </p:graphicFrame>
-        </mc:Choice>
-        <mc:Fallback>
-          <p:pic>
-            <p:nvPicPr>
-              <p:cNvPr id="6" name="3D Model 5">
-                <a:extLst>
-                  <a:ext uri="{FF2B5EF4-FFF2-40B4-BE49-F238E27FC236}">
-                    <a16:creationId xmlns:a16="http://schemas.microsoft.com/office/drawing/2014/main" id="{0BB3B85A-ED77-2D1A-EA6C-A2745F150808}"/>
-                  </a:ext>
-                </a:extLst>
-              </p:cNvPr>
-              <p:cNvPicPr>
-                <a:picLocks noGrp="1" noRot="1" noChangeAspect="1" noMove="1" noResize="1" noEditPoints="1" noAdjustHandles="1" noChangeArrowheads="1" noChangeShapeType="1" noCrop="1"/>
-              </p:cNvPicPr>
-              <p:nvPr/>
-            </p:nvPicPr>
-            <p:blipFill>
-              <a:blip r:embed="rId5"/>
-              <a:stretch>
-                <a:fillRect/>
-              </a:stretch>
-            </p:blipFill>
-            <p:spPr>
-              <a:xfrm>
-                <a:off x="6096000" y="-4509082"/>
-                <a:ext cx="3875051" cy="4313019"/>
-              </a:xfrm>
-              <a:prstGeom prst="rect">
-                <a:avLst/>
-              </a:prstGeom>
-            </p:spPr>
-          </p:pic>
-        </mc:Fallback>
-      </mc:AlternateContent>
-      <mc:AlternateContent xmlns:mc="http://schemas.openxmlformats.org/markup-compatibility/2006">
-        <mc:Choice xmlns:am3d="http://schemas.microsoft.com/office/drawing/2017/model3d" Requires="am3d">
-          <p:graphicFrame>
-            <p:nvGraphicFramePr>
-              <p:cNvPr id="9" name="3D Model 8">
-                <a:extLst>
-                  <a:ext uri="{FF2B5EF4-FFF2-40B4-BE49-F238E27FC236}">
-                    <a16:creationId xmlns:a16="http://schemas.microsoft.com/office/drawing/2014/main" id="{2AD15B51-D201-B7EF-2A9C-15F93C083454}"/>
-                  </a:ext>
-                </a:extLst>
-              </p:cNvPr>
-              <p:cNvGraphicFramePr>
-                <a:graphicFrameLocks noChangeAspect="1"/>
-              </p:cNvGraphicFramePr>
-              <p:nvPr>
-                <p:extLst>
-                  <p:ext uri="{D42A27DB-BD31-4B8C-83A1-F6EECF244321}">
-                    <p14:modId xmlns:p14="http://schemas.microsoft.com/office/powerpoint/2010/main" val="422238625"/>
-                  </p:ext>
-                </p:extLst>
-              </p:nvPr>
-            </p:nvGraphicFramePr>
-            <p:xfrm rot="16200000">
-              <a:off x="-3550970" y="3385987"/>
-              <a:ext cx="3370864" cy="3447042"/>
-            </p:xfrm>
-            <a:graphic>
-              <a:graphicData uri="http://schemas.microsoft.com/office/drawing/2017/model3d">
-                <am3d:model3d r:embed="rId4">
-                  <am3d:spPr>
-                    <a:xfrm rot="16200000">
-                      <a:off x="0" y="0"/>
-                      <a:ext cx="3370864" cy="3447042"/>
-                    </a:xfrm>
-                    <a:prstGeom prst="rect">
-                      <a:avLst/>
-                    </a:prstGeom>
-                  </am3d:spPr>
-                  <am3d:camera>
-                    <am3d:pos x="0" y="0" z="69325936"/>
-                    <am3d:up dx="0" dy="36000000" dz="0"/>
-                    <am3d:lookAt x="0" y="0" z="0"/>
-                    <am3d:perspective fov="2700000"/>
-                  </am3d:camera>
-                  <am3d:trans>
-                    <am3d:meterPerModelUnit n="362193" d="1000000"/>
-                    <am3d:preTrans dx="24415" dy="755" dz="-8666828"/>
-                    <am3d:scale>
-                      <am3d:sx n="1000000" d="1000000"/>
-                      <am3d:sy n="1000000" d="1000000"/>
-                      <am3d:sz n="1000000" d="1000000"/>
-                    </am3d:scale>
-                    <am3d:rot ax="1055143" ay="826144" az="258838"/>
-                    <am3d:postTrans dx="0" dy="0" dz="0"/>
-                  </am3d:trans>
-                  <am3d:raster rName="Office3DRenderer" rVer="16.0.8326">
-                    <am3d:blip r:embed="rId6"/>
-                  </am3d:raster>
-                  <am3d:objViewport viewportSz="6665550"/>
-                  <am3d:ambientLight>
-                    <am3d:clr>
-                      <a:scrgbClr r="50000" g="50000" b="50000"/>
-                    </am3d:clr>
-                    <am3d:illuminance n="500000" d="1000000"/>
-                  </am3d:ambientLight>
-                  <am3d:ptLight rad="0">
-                    <am3d:clr>
-                      <a:scrgbClr r="100000" g="75000" b="50000"/>
-                    </am3d:clr>
-                    <am3d:intensity n="9765625" d="1000000"/>
-                    <am3d:pos x="21959998" y="70920001" z="16344003"/>
-                  </am3d:ptLight>
-                  <am3d:ptLight rad="0">
-                    <am3d:clr>
-                      <a:scrgbClr r="40000" g="60000" b="95000"/>
-                    </am3d:clr>
-                    <am3d:intensity n="12250000" d="1000000"/>
-                    <am3d:pos x="-37964106" y="51130435" z="57631972"/>
-                  </am3d:ptLight>
-                  <am3d:ptLight rad="0">
-                    <am3d:clr>
-                      <a:scrgbClr r="86837" g="72700" b="100000"/>
-                    </am3d:clr>
-                    <am3d:intensity n="3125000" d="1000000"/>
-                    <am3d:pos x="-37739122" y="58056624" z="-34769649"/>
-                  </am3d:ptLight>
-                </am3d:model3d>
-              </a:graphicData>
-            </a:graphic>
-          </p:graphicFrame>
-        </mc:Choice>
-        <mc:Fallback>
-          <p:pic>
-            <p:nvPicPr>
-              <p:cNvPr id="9" name="3D Model 8">
-                <a:extLst>
-                  <a:ext uri="{FF2B5EF4-FFF2-40B4-BE49-F238E27FC236}">
-                    <a16:creationId xmlns:a16="http://schemas.microsoft.com/office/drawing/2014/main" id="{2AD15B51-D201-B7EF-2A9C-15F93C083454}"/>
-                  </a:ext>
-                </a:extLst>
-              </p:cNvPr>
-              <p:cNvPicPr>
-                <a:picLocks noGrp="1" noRot="1" noChangeAspect="1" noMove="1" noResize="1" noEditPoints="1" noAdjustHandles="1" noChangeArrowheads="1" noChangeShapeType="1" noCrop="1"/>
-              </p:cNvPicPr>
-              <p:nvPr/>
-            </p:nvPicPr>
-            <p:blipFill>
-              <a:blip r:embed="rId6"/>
-              <a:stretch>
-                <a:fillRect/>
-              </a:stretch>
-            </p:blipFill>
-            <p:spPr>
-              <a:xfrm rot="16200000">
-                <a:off x="-3550970" y="3385987"/>
-                <a:ext cx="3370864" cy="3447042"/>
               </a:xfrm>
               <a:prstGeom prst="rect">
                 <a:avLst/>
@@ -40371,60 +40351,6 @@
       </p:sp>
       <p:sp>
         <p:nvSpPr>
-          <p:cNvPr id="5" name="Title 9">
-            <a:extLst>
-              <a:ext uri="{FF2B5EF4-FFF2-40B4-BE49-F238E27FC236}">
-                <a16:creationId xmlns:a16="http://schemas.microsoft.com/office/drawing/2014/main" id="{F6A072DB-D0BE-F439-3BFE-7E8A54E267CC}"/>
-              </a:ext>
-            </a:extLst>
-          </p:cNvPr>
-          <p:cNvSpPr txBox="1">
-            <a:spLocks/>
-          </p:cNvSpPr>
-          <p:nvPr/>
-        </p:nvSpPr>
-        <p:spPr>
-          <a:xfrm>
-            <a:off x="1036320" y="2242457"/>
-            <a:ext cx="5059679" cy="2373086"/>
-          </a:xfrm>
-          <a:prstGeom prst="rect">
-            <a:avLst/>
-          </a:prstGeom>
-        </p:spPr>
-        <p:txBody>
-          <a:bodyPr vert="horz" lIns="91440" tIns="45720" rIns="91440" bIns="45720" rtlCol="0" anchor="ctr">
-            <a:normAutofit/>
-          </a:bodyPr>
-          <a:lstStyle>
-            <a:lvl1pPr algn="l" defTabSz="914400" rtl="0" eaLnBrk="1" latinLnBrk="0" hangingPunct="1">
-              <a:lnSpc>
-                <a:spcPct val="100000"/>
-              </a:lnSpc>
-              <a:spcBef>
-                <a:spcPct val="0"/>
-              </a:spcBef>
-              <a:buNone/>
-              <a:defRPr sz="4800" i="1" kern="1200">
-                <a:solidFill>
-                  <a:schemeClr val="bg1"/>
-                </a:solidFill>
-                <a:latin typeface="+mj-lt"/>
-                <a:ea typeface="+mj-ea"/>
-                <a:cs typeface="+mj-cs"/>
-              </a:defRPr>
-            </a:lvl1pPr>
-          </a:lstStyle>
-          <a:p>
-            <a:r>
-              <a:rPr lang="en-US" sz="3500" dirty="0"/>
-              <a:t>IMPROVEMENTS </a:t>
-            </a:r>
-          </a:p>
-        </p:txBody>
-      </p:sp>
-      <p:sp>
-        <p:nvSpPr>
           <p:cNvPr id="6" name="Content Placeholder 10">
             <a:extLst>
               <a:ext uri="{FF2B5EF4-FFF2-40B4-BE49-F238E27FC236}">
@@ -40755,6 +40681,308 @@
           </a:p>
         </p:txBody>
       </p:sp>
+      <mc:AlternateContent xmlns:mc="http://schemas.openxmlformats.org/markup-compatibility/2006">
+        <mc:Choice xmlns:am3d="http://schemas.microsoft.com/office/drawing/2017/model3d" Requires="am3d">
+          <p:graphicFrame>
+            <p:nvGraphicFramePr>
+              <p:cNvPr id="4" name="3D Model 3">
+                <a:extLst>
+                  <a:ext uri="{FF2B5EF4-FFF2-40B4-BE49-F238E27FC236}">
+                    <a16:creationId xmlns:a16="http://schemas.microsoft.com/office/drawing/2014/main" id="{385CB422-3776-512A-A831-D8D5CDA7C422}"/>
+                  </a:ext>
+                </a:extLst>
+              </p:cNvPr>
+              <p:cNvGraphicFramePr>
+                <a:graphicFrameLocks noChangeAspect="1"/>
+              </p:cNvGraphicFramePr>
+              <p:nvPr>
+                <p:extLst>
+                  <p:ext uri="{D42A27DB-BD31-4B8C-83A1-F6EECF244321}">
+                    <p14:modId xmlns:p14="http://schemas.microsoft.com/office/powerpoint/2010/main" val="2447165677"/>
+                  </p:ext>
+                </p:extLst>
+              </p:nvPr>
+            </p:nvGraphicFramePr>
+            <p:xfrm>
+              <a:off x="-2282085" y="477102"/>
+              <a:ext cx="5051053" cy="6509363"/>
+            </p:xfrm>
+            <a:graphic>
+              <a:graphicData uri="http://schemas.microsoft.com/office/drawing/2017/model3d">
+                <am3d:model3d r:embed="rId2">
+                  <am3d:spPr>
+                    <a:xfrm>
+                      <a:off x="0" y="0"/>
+                      <a:ext cx="5051053" cy="6509363"/>
+                    </a:xfrm>
+                    <a:prstGeom prst="rect">
+                      <a:avLst/>
+                    </a:prstGeom>
+                  </am3d:spPr>
+                  <am3d:camera>
+                    <am3d:pos x="0" y="0" z="69325936"/>
+                    <am3d:up dx="0" dy="36000000" dz="0"/>
+                    <am3d:lookAt x="0" y="0" z="0"/>
+                    <am3d:perspective fov="2700000"/>
+                  </am3d:camera>
+                  <am3d:trans>
+                    <am3d:meterPerModelUnit n="362193" d="1000000"/>
+                    <am3d:preTrans dx="24415" dy="755" dz="-8666828"/>
+                    <am3d:scale>
+                      <am3d:sx n="1000000" d="1000000"/>
+                      <am3d:sy n="1000000" d="1000000"/>
+                      <am3d:sz n="1000000" d="1000000"/>
+                    </am3d:scale>
+                    <am3d:rot ax="5035944" ay="-24945" az="10565719"/>
+                    <am3d:postTrans dx="0" dy="0" dz="0"/>
+                  </am3d:trans>
+                  <am3d:raster rName="Office3DRenderer" rVer="16.0.8326">
+                    <am3d:blip r:embed="rId3"/>
+                  </am3d:raster>
+                  <am3d:objViewport viewportSz="9982790"/>
+                  <am3d:ambientLight>
+                    <am3d:clr>
+                      <a:scrgbClr r="50000" g="50000" b="50000"/>
+                    </am3d:clr>
+                    <am3d:illuminance n="500000" d="1000000"/>
+                  </am3d:ambientLight>
+                  <am3d:ptLight rad="0">
+                    <am3d:clr>
+                      <a:scrgbClr r="100000" g="75000" b="50000"/>
+                    </am3d:clr>
+                    <am3d:intensity n="9765625" d="1000000"/>
+                    <am3d:pos x="21959998" y="70920001" z="16344003"/>
+                  </am3d:ptLight>
+                  <am3d:ptLight rad="0">
+                    <am3d:clr>
+                      <a:scrgbClr r="40000" g="60000" b="95000"/>
+                    </am3d:clr>
+                    <am3d:intensity n="12250000" d="1000000"/>
+                    <am3d:pos x="-37964106" y="51130435" z="57631972"/>
+                  </am3d:ptLight>
+                  <am3d:ptLight rad="0">
+                    <am3d:clr>
+                      <a:scrgbClr r="86837" g="72700" b="100000"/>
+                    </am3d:clr>
+                    <am3d:intensity n="3125000" d="1000000"/>
+                    <am3d:pos x="-37739122" y="58056624" z="-34769649"/>
+                  </am3d:ptLight>
+                </am3d:model3d>
+              </a:graphicData>
+            </a:graphic>
+          </p:graphicFrame>
+        </mc:Choice>
+        <mc:Fallback>
+          <p:pic>
+            <p:nvPicPr>
+              <p:cNvPr id="4" name="3D Model 3">
+                <a:extLst>
+                  <a:ext uri="{FF2B5EF4-FFF2-40B4-BE49-F238E27FC236}">
+                    <a16:creationId xmlns:a16="http://schemas.microsoft.com/office/drawing/2014/main" id="{385CB422-3776-512A-A831-D8D5CDA7C422}"/>
+                  </a:ext>
+                </a:extLst>
+              </p:cNvPr>
+              <p:cNvPicPr>
+                <a:picLocks noGrp="1" noRot="1" noChangeAspect="1" noMove="1" noResize="1" noEditPoints="1" noAdjustHandles="1" noChangeArrowheads="1" noChangeShapeType="1" noCrop="1"/>
+              </p:cNvPicPr>
+              <p:nvPr/>
+            </p:nvPicPr>
+            <p:blipFill>
+              <a:blip r:embed="rId3"/>
+              <a:stretch>
+                <a:fillRect/>
+              </a:stretch>
+            </p:blipFill>
+            <p:spPr>
+              <a:xfrm>
+                <a:off x="-2282085" y="477102"/>
+                <a:ext cx="5051053" cy="6509363"/>
+              </a:xfrm>
+              <a:prstGeom prst="rect">
+                <a:avLst/>
+              </a:prstGeom>
+            </p:spPr>
+          </p:pic>
+        </mc:Fallback>
+      </mc:AlternateContent>
+      <mc:AlternateContent xmlns:mc="http://schemas.openxmlformats.org/markup-compatibility/2006">
+        <mc:Choice xmlns:am3d="http://schemas.microsoft.com/office/drawing/2017/model3d" Requires="am3d">
+          <p:graphicFrame>
+            <p:nvGraphicFramePr>
+              <p:cNvPr id="14" name="3D Model 13">
+                <a:extLst>
+                  <a:ext uri="{FF2B5EF4-FFF2-40B4-BE49-F238E27FC236}">
+                    <a16:creationId xmlns:a16="http://schemas.microsoft.com/office/drawing/2014/main" id="{1BA7EF96-B3E1-8D5E-5CCC-ED464FEC92AC}"/>
+                  </a:ext>
+                </a:extLst>
+              </p:cNvPr>
+              <p:cNvGraphicFramePr>
+                <a:graphicFrameLocks noChangeAspect="1"/>
+              </p:cNvGraphicFramePr>
+              <p:nvPr>
+                <p:extLst>
+                  <p:ext uri="{D42A27DB-BD31-4B8C-83A1-F6EECF244321}">
+                    <p14:modId xmlns:p14="http://schemas.microsoft.com/office/powerpoint/2010/main" val="2231135233"/>
+                  </p:ext>
+                </p:extLst>
+              </p:nvPr>
+            </p:nvGraphicFramePr>
+            <p:xfrm rot="5400000">
+              <a:off x="2842082" y="3686403"/>
+              <a:ext cx="4599605" cy="2912660"/>
+            </p:xfrm>
+            <a:graphic>
+              <a:graphicData uri="http://schemas.microsoft.com/office/drawing/2017/model3d">
+                <am3d:model3d r:embed="rId4">
+                  <am3d:spPr>
+                    <a:xfrm rot="5400000">
+                      <a:off x="0" y="0"/>
+                      <a:ext cx="4599605" cy="2912660"/>
+                    </a:xfrm>
+                    <a:prstGeom prst="rect">
+                      <a:avLst/>
+                    </a:prstGeom>
+                  </am3d:spPr>
+                  <am3d:camera>
+                    <am3d:pos x="0" y="0" z="57892662"/>
+                    <am3d:up dx="0" dy="36000000" dz="0"/>
+                    <am3d:lookAt x="0" y="0" z="0"/>
+                    <am3d:perspective fov="2700000"/>
+                  </am3d:camera>
+                  <am3d:trans>
+                    <am3d:meterPerModelUnit n="355149" d="1000000"/>
+                    <am3d:preTrans dx="-1832744" dy="0" dz="-5214629"/>
+                    <am3d:scale>
+                      <am3d:sx n="1000000" d="1000000"/>
+                      <am3d:sy n="1000000" d="1000000"/>
+                      <am3d:sz n="1000000" d="1000000"/>
+                    </am3d:scale>
+                    <am3d:rot ax="5486699" ay="-3676977" az="-5498824"/>
+                    <am3d:postTrans dx="0" dy="0" dz="0"/>
+                  </am3d:trans>
+                  <am3d:raster rName="Office3DRenderer" rVer="16.0.8326">
+                    <am3d:blip r:embed="rId5"/>
+                  </am3d:raster>
+                  <am3d:objViewport viewportSz="5292422"/>
+                  <am3d:ambientLight>
+                    <am3d:clr>
+                      <a:scrgbClr r="50000" g="50000" b="50000"/>
+                    </am3d:clr>
+                    <am3d:illuminance n="500000" d="1000000"/>
+                  </am3d:ambientLight>
+                  <am3d:ptLight rad="0">
+                    <am3d:clr>
+                      <a:scrgbClr r="100000" g="75000" b="50000"/>
+                    </am3d:clr>
+                    <am3d:intensity n="9765625" d="1000000"/>
+                    <am3d:pos x="21959998" y="70920001" z="16344003"/>
+                  </am3d:ptLight>
+                  <am3d:ptLight rad="0">
+                    <am3d:clr>
+                      <a:scrgbClr r="40000" g="60000" b="95000"/>
+                    </am3d:clr>
+                    <am3d:intensity n="12250000" d="1000000"/>
+                    <am3d:pos x="-37964106" y="51130435" z="57631972"/>
+                  </am3d:ptLight>
+                  <am3d:ptLight rad="0">
+                    <am3d:clr>
+                      <a:scrgbClr r="86837" g="72700" b="100000"/>
+                    </am3d:clr>
+                    <am3d:intensity n="3125000" d="1000000"/>
+                    <am3d:pos x="-37739122" y="58056624" z="-34769649"/>
+                  </am3d:ptLight>
+                </am3d:model3d>
+              </a:graphicData>
+            </a:graphic>
+          </p:graphicFrame>
+        </mc:Choice>
+        <mc:Fallback>
+          <p:pic>
+            <p:nvPicPr>
+              <p:cNvPr id="14" name="3D Model 13">
+                <a:extLst>
+                  <a:ext uri="{FF2B5EF4-FFF2-40B4-BE49-F238E27FC236}">
+                    <a16:creationId xmlns:a16="http://schemas.microsoft.com/office/drawing/2014/main" id="{1BA7EF96-B3E1-8D5E-5CCC-ED464FEC92AC}"/>
+                  </a:ext>
+                </a:extLst>
+              </p:cNvPr>
+              <p:cNvPicPr>
+                <a:picLocks noGrp="1" noRot="1" noChangeAspect="1" noMove="1" noResize="1" noEditPoints="1" noAdjustHandles="1" noChangeArrowheads="1" noChangeShapeType="1" noCrop="1"/>
+              </p:cNvPicPr>
+              <p:nvPr/>
+            </p:nvPicPr>
+            <p:blipFill>
+              <a:blip r:embed="rId5"/>
+              <a:stretch>
+                <a:fillRect/>
+              </a:stretch>
+            </p:blipFill>
+            <p:spPr>
+              <a:xfrm rot="5400000">
+                <a:off x="2842082" y="3686403"/>
+                <a:ext cx="4599605" cy="2912660"/>
+              </a:xfrm>
+              <a:prstGeom prst="rect">
+                <a:avLst/>
+              </a:prstGeom>
+            </p:spPr>
+          </p:pic>
+        </mc:Fallback>
+      </mc:AlternateContent>
+      <p:sp>
+        <p:nvSpPr>
+          <p:cNvPr id="5" name="Title 9">
+            <a:extLst>
+              <a:ext uri="{FF2B5EF4-FFF2-40B4-BE49-F238E27FC236}">
+                <a16:creationId xmlns:a16="http://schemas.microsoft.com/office/drawing/2014/main" id="{F6A072DB-D0BE-F439-3BFE-7E8A54E267CC}"/>
+              </a:ext>
+            </a:extLst>
+          </p:cNvPr>
+          <p:cNvSpPr txBox="1">
+            <a:spLocks/>
+          </p:cNvSpPr>
+          <p:nvPr/>
+        </p:nvSpPr>
+        <p:spPr>
+          <a:xfrm>
+            <a:off x="1036320" y="2242457"/>
+            <a:ext cx="5059679" cy="2373086"/>
+          </a:xfrm>
+          <a:prstGeom prst="rect">
+            <a:avLst/>
+          </a:prstGeom>
+        </p:spPr>
+        <p:txBody>
+          <a:bodyPr vert="horz" lIns="91440" tIns="45720" rIns="91440" bIns="45720" rtlCol="0" anchor="ctr">
+            <a:normAutofit/>
+          </a:bodyPr>
+          <a:lstStyle>
+            <a:lvl1pPr algn="l" defTabSz="914400" rtl="0" eaLnBrk="1" latinLnBrk="0" hangingPunct="1">
+              <a:lnSpc>
+                <a:spcPct val="100000"/>
+              </a:lnSpc>
+              <a:spcBef>
+                <a:spcPct val="0"/>
+              </a:spcBef>
+              <a:buNone/>
+              <a:defRPr sz="4800" i="1" kern="1200">
+                <a:solidFill>
+                  <a:schemeClr val="bg1"/>
+                </a:solidFill>
+                <a:latin typeface="+mj-lt"/>
+                <a:ea typeface="+mj-ea"/>
+                <a:cs typeface="+mj-cs"/>
+              </a:defRPr>
+            </a:lvl1pPr>
+          </a:lstStyle>
+          <a:p>
+            <a:r>
+              <a:rPr lang="en-US" sz="3500" dirty="0"/>
+              <a:t>IMPROVEMENTS </a:t>
+            </a:r>
+          </a:p>
+        </p:txBody>
+      </p:sp>
     </p:spTree>
     <p:extLst>
       <p:ext uri="{BB962C8B-B14F-4D97-AF65-F5344CB8AC3E}">
@@ -40768,6 +40996,76 @@
   <p:transition spd="slow">
     <p:push/>
   </p:transition>
+  <p:timing>
+    <p:tnLst>
+      <p:par>
+        <p:cTn id="1" dur="indefinite" restart="never" nodeType="tmRoot">
+          <p:childTnLst>
+            <p:seq concurrent="1" nextAc="seek">
+              <p:cTn id="2" dur="indefinite" nodeType="mainSeq">
+                <p:childTnLst>
+                  <p:par>
+                    <p:cTn id="3" fill="hold">
+                      <p:stCondLst>
+                        <p:cond delay="indefinite"/>
+                      </p:stCondLst>
+                      <p:childTnLst>
+                        <p:par>
+                          <p:cTn id="4" fill="hold">
+                            <p:stCondLst>
+                              <p:cond delay="0"/>
+                            </p:stCondLst>
+                            <p:childTnLst>
+                              <p:par>
+                                <p:cTn id="5" presetID="35" presetClass="path" presetSubtype="0" accel="50000" decel="50000" fill="hold" nodeType="clickEffect">
+                                  <p:stCondLst>
+                                    <p:cond delay="1100"/>
+                                  </p:stCondLst>
+                                  <p:childTnLst>
+                                    <p:animMotion origin="layout" path="M -1.875E-6 -2.96296E-6 L -0.43242 -0.00393 " pathEditMode="relative" rAng="0" ptsTypes="AA">
+                                      <p:cBhvr>
+                                        <p:cTn id="6" dur="5000" fill="hold"/>
+                                        <p:tgtEl>
+                                          <p:spTgt spid="4"/>
+                                        </p:tgtEl>
+                                        <p:attrNameLst>
+                                          <p:attrName>ppt_x</p:attrName>
+                                          <p:attrName>ppt_y</p:attrName>
+                                        </p:attrNameLst>
+                                      </p:cBhvr>
+                                      <p:rCtr x="-21615" y="-208"/>
+                                    </p:animMotion>
+                                  </p:childTnLst>
+                                </p:cTn>
+                              </p:par>
+                            </p:childTnLst>
+                          </p:cTn>
+                        </p:par>
+                      </p:childTnLst>
+                    </p:cTn>
+                  </p:par>
+                </p:childTnLst>
+              </p:cTn>
+              <p:prevCondLst>
+                <p:cond evt="onPrev" delay="0">
+                  <p:tgtEl>
+                    <p:sldTgt/>
+                  </p:tgtEl>
+                </p:cond>
+              </p:prevCondLst>
+              <p:nextCondLst>
+                <p:cond evt="onNext" delay="0">
+                  <p:tgtEl>
+                    <p:sldTgt/>
+                  </p:tgtEl>
+                </p:cond>
+              </p:nextCondLst>
+            </p:seq>
+          </p:childTnLst>
+        </p:cTn>
+      </p:par>
+    </p:tnLst>
+  </p:timing>
 </p:sld>
 </file>
 
@@ -43167,6 +43465,130 @@
               <a:xfrm>
                 <a:off x="-1" y="3663543"/>
                 <a:ext cx="11465170" cy="3311248"/>
+              </a:xfrm>
+              <a:prstGeom prst="rect">
+                <a:avLst/>
+              </a:prstGeom>
+            </p:spPr>
+          </p:pic>
+        </mc:Fallback>
+      </mc:AlternateContent>
+      <mc:AlternateContent xmlns:mc="http://schemas.openxmlformats.org/markup-compatibility/2006">
+        <mc:Choice xmlns:am3d="http://schemas.microsoft.com/office/drawing/2017/model3d" Requires="am3d">
+          <p:graphicFrame>
+            <p:nvGraphicFramePr>
+              <p:cNvPr id="4" name="3D Model 3">
+                <a:extLst>
+                  <a:ext uri="{FF2B5EF4-FFF2-40B4-BE49-F238E27FC236}">
+                    <a16:creationId xmlns:a16="http://schemas.microsoft.com/office/drawing/2014/main" id="{F3A9E7CA-B35A-5EC6-D79F-F87BFA0510E2}"/>
+                  </a:ext>
+                </a:extLst>
+              </p:cNvPr>
+              <p:cNvGraphicFramePr>
+                <a:graphicFrameLocks noChangeAspect="1"/>
+              </p:cNvGraphicFramePr>
+              <p:nvPr>
+                <p:extLst>
+                  <p:ext uri="{D42A27DB-BD31-4B8C-83A1-F6EECF244321}">
+                    <p14:modId xmlns:p14="http://schemas.microsoft.com/office/powerpoint/2010/main" val="3508759731"/>
+                  </p:ext>
+                </p:extLst>
+              </p:nvPr>
+            </p:nvGraphicFramePr>
+            <p:xfrm rot="16200000">
+              <a:off x="7817770" y="-26366"/>
+              <a:ext cx="4809183" cy="1741732"/>
+            </p:xfrm>
+            <a:graphic>
+              <a:graphicData uri="http://schemas.microsoft.com/office/drawing/2017/model3d">
+                <am3d:model3d r:embed="rId4">
+                  <am3d:spPr>
+                    <a:xfrm rot="16200000">
+                      <a:off x="0" y="0"/>
+                      <a:ext cx="4809183" cy="1741732"/>
+                    </a:xfrm>
+                    <a:prstGeom prst="rect">
+                      <a:avLst/>
+                    </a:prstGeom>
+                  </am3d:spPr>
+                  <am3d:camera>
+                    <am3d:pos x="0" y="0" z="50235105"/>
+                    <am3d:up dx="0" dy="36000000" dz="0"/>
+                    <am3d:lookAt x="0" y="0" z="0"/>
+                    <am3d:perspective fov="2700000"/>
+                  </am3d:camera>
+                  <am3d:trans>
+                    <am3d:meterPerModelUnit n="179765" d="1000000"/>
+                    <am3d:preTrans dx="-11354950" dy="50684" dz="1142"/>
+                    <am3d:scale>
+                      <am3d:sx n="1000000" d="1000000"/>
+                      <am3d:sy n="1000000" d="1000000"/>
+                      <am3d:sz n="1000000" d="1000000"/>
+                    </am3d:scale>
+                    <am3d:rot ax="1200000"/>
+                    <am3d:postTrans dx="0" dy="0" dz="0"/>
+                  </am3d:trans>
+                  <am3d:raster rName="Office3DRenderer" rVer="16.0.8326">
+                    <am3d:blip r:embed="rId5"/>
+                  </am3d:raster>
+                  <am3d:objViewport viewportSz="5418664"/>
+                  <am3d:ambientLight>
+                    <am3d:clr>
+                      <a:scrgbClr r="50000" g="50000" b="50000"/>
+                    </am3d:clr>
+                    <am3d:illuminance n="500000" d="1000000"/>
+                  </am3d:ambientLight>
+                  <am3d:ptLight rad="0">
+                    <am3d:clr>
+                      <a:scrgbClr r="100000" g="75000" b="50000"/>
+                    </am3d:clr>
+                    <am3d:intensity n="9765625" d="1000000"/>
+                    <am3d:pos x="21959998" y="70920001" z="16344003"/>
+                  </am3d:ptLight>
+                  <am3d:ptLight rad="0">
+                    <am3d:clr>
+                      <a:scrgbClr r="40000" g="60000" b="95000"/>
+                    </am3d:clr>
+                    <am3d:intensity n="12250000" d="1000000"/>
+                    <am3d:pos x="-37964106" y="51130435" z="57631972"/>
+                  </am3d:ptLight>
+                  <am3d:ptLight rad="0">
+                    <am3d:clr>
+                      <a:scrgbClr r="86837" g="72700" b="100000"/>
+                    </am3d:clr>
+                    <am3d:intensity n="3125000" d="1000000"/>
+                    <am3d:pos x="-37739122" y="58056624" z="-34769649"/>
+                  </am3d:ptLight>
+                </am3d:model3d>
+              </a:graphicData>
+            </a:graphic>
+          </p:graphicFrame>
+        </mc:Choice>
+        <mc:Fallback>
+          <p:pic>
+            <p:nvPicPr>
+              <p:cNvPr id="4" name="3D Model 3">
+                <a:extLst>
+                  <a:ext uri="{FF2B5EF4-FFF2-40B4-BE49-F238E27FC236}">
+                    <a16:creationId xmlns:a16="http://schemas.microsoft.com/office/drawing/2014/main" id="{F3A9E7CA-B35A-5EC6-D79F-F87BFA0510E2}"/>
+                  </a:ext>
+                </a:extLst>
+              </p:cNvPr>
+              <p:cNvPicPr>
+                <a:picLocks noGrp="1" noRot="1" noChangeAspect="1" noMove="1" noResize="1" noEditPoints="1" noAdjustHandles="1" noChangeArrowheads="1" noChangeShapeType="1" noCrop="1"/>
+              </p:cNvPicPr>
+              <p:nvPr/>
+            </p:nvPicPr>
+            <p:blipFill>
+              <a:blip r:embed="rId5"/>
+              <a:stretch>
+                <a:fillRect/>
+              </a:stretch>
+            </p:blipFill>
+            <p:spPr>
+              <a:xfrm rot="16200000">
+                <a:off x="7817770" y="-26366"/>
+                <a:ext cx="4809183" cy="1741732"/>
               </a:xfrm>
               <a:prstGeom prst="rect">
                 <a:avLst/>
@@ -43685,15 +44107,6 @@
 </file>
 
 <file path=customXml/item1.xml><?xml version="1.0" encoding="utf-8"?>
-<p:properties xmlns:p="http://schemas.microsoft.com/office/2006/metadata/properties" xmlns:xsi="http://www.w3.org/2001/XMLSchema-instance" xmlns:pc="http://schemas.microsoft.com/office/infopath/2007/PartnerControls">
-  <documentManagement>
-    <Status xmlns="71af3243-3dd4-4a8d-8c0d-dd76da1f02a5">Not started</Status>
-    <MediaServiceKeyPoints xmlns="71af3243-3dd4-4a8d-8c0d-dd76da1f02a5" xsi:nil="true"/>
-  </documentManagement>
-</p:properties>
-</file>
-
-<file path=customXml/item2.xml><?xml version="1.0" encoding="utf-8"?>
 <ct:contentTypeSchema xmlns:ct="http://schemas.microsoft.com/office/2006/metadata/contentType" xmlns:ma="http://schemas.microsoft.com/office/2006/metadata/properties/metaAttributes" ct:_="" ma:_="" ma:contentTypeName="Document" ma:contentTypeID="0x01010079F111ED35F8CC479449609E8A0923A6" ma:contentTypeVersion="12" ma:contentTypeDescription="Create a new document." ma:contentTypeScope="" ma:versionID="426e97fa315356fffbdcd9876fe988c2">
   <xsd:schema xmlns:xsd="http://www.w3.org/2001/XMLSchema" xmlns:xs="http://www.w3.org/2001/XMLSchema" xmlns:p="http://schemas.microsoft.com/office/2006/metadata/properties" xmlns:ns2="71af3243-3dd4-4a8d-8c0d-dd76da1f02a5" xmlns:ns3="16c05727-aa75-4e4a-9b5f-8a80a1165891" targetNamespace="http://schemas.microsoft.com/office/2006/metadata/properties" ma:root="true" ma:fieldsID="14b8f0def80e6d70ce3def20c90759ae" ns2:_="" ns3:_="">
     <xsd:import namespace="71af3243-3dd4-4a8d-8c0d-dd76da1f02a5"/>
@@ -43914,6 +44327,15 @@
 </ct:contentTypeSchema>
 </file>
 
+<file path=customXml/item2.xml><?xml version="1.0" encoding="utf-8"?>
+<p:properties xmlns:p="http://schemas.microsoft.com/office/2006/metadata/properties" xmlns:xsi="http://www.w3.org/2001/XMLSchema-instance" xmlns:pc="http://schemas.microsoft.com/office/infopath/2007/PartnerControls">
+  <documentManagement>
+    <Status xmlns="71af3243-3dd4-4a8d-8c0d-dd76da1f02a5">Not started</Status>
+    <MediaServiceKeyPoints xmlns="71af3243-3dd4-4a8d-8c0d-dd76da1f02a5" xsi:nil="true"/>
+  </documentManagement>
+</p:properties>
+</file>
+
 <file path=customXml/item3.xml><?xml version="1.0" encoding="utf-8"?>
 <?mso-contentType ?>
 <FormTemplates xmlns="http://schemas.microsoft.com/sharepoint/v3/contenttype/forms">
@@ -43924,16 +44346,6 @@
 </file>
 
 <file path=customXml/itemProps1.xml><?xml version="1.0" encoding="utf-8"?>
-<ds:datastoreItem xmlns:ds="http://schemas.openxmlformats.org/officeDocument/2006/customXml" ds:itemID="{9DFCC198-DBFA-46B2-A241-8E3888E63670}">
-  <ds:schemaRefs>
-    <ds:schemaRef ds:uri="http://schemas.microsoft.com/office/2006/metadata/properties"/>
-    <ds:schemaRef ds:uri="http://schemas.microsoft.com/office/infopath/2007/PartnerControls"/>
-    <ds:schemaRef ds:uri="71af3243-3dd4-4a8d-8c0d-dd76da1f02a5"/>
-  </ds:schemaRefs>
-</ds:datastoreItem>
-</file>
-
-<file path=customXml/itemProps2.xml><?xml version="1.0" encoding="utf-8"?>
 <ds:datastoreItem xmlns:ds="http://schemas.openxmlformats.org/officeDocument/2006/customXml" ds:itemID="{897C4F4F-E645-4C6F-B0C3-39923BA08249}">
   <ds:schemaRefs>
     <ds:schemaRef ds:uri="http://schemas.microsoft.com/office/2006/metadata/contentType"/>
@@ -43952,6 +44364,16 @@
 </ds:datastoreItem>
 </file>
 
+<file path=customXml/itemProps2.xml><?xml version="1.0" encoding="utf-8"?>
+<ds:datastoreItem xmlns:ds="http://schemas.openxmlformats.org/officeDocument/2006/customXml" ds:itemID="{9DFCC198-DBFA-46B2-A241-8E3888E63670}">
+  <ds:schemaRefs>
+    <ds:schemaRef ds:uri="http://schemas.microsoft.com/office/2006/metadata/properties"/>
+    <ds:schemaRef ds:uri="http://schemas.microsoft.com/office/infopath/2007/PartnerControls"/>
+    <ds:schemaRef ds:uri="71af3243-3dd4-4a8d-8c0d-dd76da1f02a5"/>
+  </ds:schemaRefs>
+</ds:datastoreItem>
+</file>
+
 <file path=customXml/itemProps3.xml><?xml version="1.0" encoding="utf-8"?>
 <ds:datastoreItem xmlns:ds="http://schemas.openxmlformats.org/officeDocument/2006/customXml" ds:itemID="{C0DCE9DA-F7FD-45FA-83B7-D9813A44258A}">
   <ds:schemaRefs>

--- a/Egg drop lab.pptx
+++ b/Egg drop lab.pptx
@@ -36044,6 +36044,283 @@
           </a:p>
         </p:txBody>
       </p:sp>
+      <p:pic>
+        <p:nvPicPr>
+          <p:cNvPr id="8" name="Picture 7" descr="A picture containing table, indoor&#10;&#10;Description automatically generated">
+            <a:extLst>
+              <a:ext uri="{FF2B5EF4-FFF2-40B4-BE49-F238E27FC236}">
+                <a16:creationId xmlns:a16="http://schemas.microsoft.com/office/drawing/2014/main" id="{29DC28F0-F960-9A9F-2CED-142A779A5E74}"/>
+              </a:ext>
+            </a:extLst>
+          </p:cNvPr>
+          <p:cNvPicPr>
+            <a:picLocks noChangeAspect="1"/>
+          </p:cNvPicPr>
+          <p:nvPr/>
+        </p:nvPicPr>
+        <p:blipFill rotWithShape="1">
+          <a:blip r:embed="rId2"/>
+          <a:srcRect l="3260" t="3248" b="14017"/>
+          <a:stretch/>
+        </p:blipFill>
+        <p:spPr>
+          <a:xfrm>
+            <a:off x="7294404" y="592015"/>
+            <a:ext cx="3731849" cy="5673970"/>
+          </a:xfrm>
+          <a:prstGeom prst="rect">
+            <a:avLst/>
+          </a:prstGeom>
+        </p:spPr>
+      </p:pic>
+      <mc:AlternateContent xmlns:mc="http://schemas.openxmlformats.org/markup-compatibility/2006">
+        <mc:Choice xmlns:am3d="http://schemas.microsoft.com/office/drawing/2017/model3d" Requires="am3d">
+          <p:graphicFrame>
+            <p:nvGraphicFramePr>
+              <p:cNvPr id="12" name="3D Model 11">
+                <a:extLst>
+                  <a:ext uri="{FF2B5EF4-FFF2-40B4-BE49-F238E27FC236}">
+                    <a16:creationId xmlns:a16="http://schemas.microsoft.com/office/drawing/2014/main" id="{FFEA6B29-4330-5EF9-00A8-DBCE55FA0DA0}"/>
+                  </a:ext>
+                </a:extLst>
+              </p:cNvPr>
+              <p:cNvGraphicFramePr>
+                <a:graphicFrameLocks noChangeAspect="1"/>
+              </p:cNvGraphicFramePr>
+              <p:nvPr>
+                <p:extLst>
+                  <p:ext uri="{D42A27DB-BD31-4B8C-83A1-F6EECF244321}">
+                    <p14:modId xmlns:p14="http://schemas.microsoft.com/office/powerpoint/2010/main" val="1037395558"/>
+                  </p:ext>
+                </p:extLst>
+              </p:nvPr>
+            </p:nvGraphicFramePr>
+            <p:xfrm>
+              <a:off x="9982199" y="4618089"/>
+              <a:ext cx="2214133" cy="2239910"/>
+            </p:xfrm>
+            <a:graphic>
+              <a:graphicData uri="http://schemas.microsoft.com/office/drawing/2017/model3d">
+                <am3d:model3d r:embed="rId3">
+                  <am3d:spPr>
+                    <a:xfrm>
+                      <a:off x="0" y="0"/>
+                      <a:ext cx="2214133" cy="2239910"/>
+                    </a:xfrm>
+                    <a:prstGeom prst="rect">
+                      <a:avLst/>
+                    </a:prstGeom>
+                  </am3d:spPr>
+                  <am3d:camera>
+                    <am3d:pos x="0" y="0" z="67370412"/>
+                    <am3d:up dx="0" dy="36000000" dz="0"/>
+                    <am3d:lookAt x="0" y="0" z="0"/>
+                    <am3d:perspective fov="2700000"/>
+                  </am3d:camera>
+                  <am3d:trans>
+                    <am3d:meterPerModelUnit n="262659" d="1000000"/>
+                    <am3d:preTrans dx="56765" dy="353618" dz="1590307"/>
+                    <am3d:scale>
+                      <am3d:sx n="1000000" d="1000000"/>
+                      <am3d:sy n="1000000" d="1000000"/>
+                      <am3d:sz n="1000000" d="1000000"/>
+                    </am3d:scale>
+                    <am3d:rot ax="1727737" ay="-3655646" az="-1539569"/>
+                    <am3d:postTrans dx="0" dy="0" dz="0"/>
+                  </am3d:trans>
+                  <am3d:raster rName="Office3DRenderer" rVer="16.0.8326">
+                    <am3d:blip r:embed="rId4"/>
+                  </am3d:raster>
+                  <am3d:objViewport viewportSz="3240425"/>
+                  <am3d:ambientLight>
+                    <am3d:clr>
+                      <a:scrgbClr r="50000" g="50000" b="50000"/>
+                    </am3d:clr>
+                    <am3d:illuminance n="500000" d="1000000"/>
+                  </am3d:ambientLight>
+                  <am3d:ptLight rad="0">
+                    <am3d:clr>
+                      <a:scrgbClr r="100000" g="75000" b="50000"/>
+                    </am3d:clr>
+                    <am3d:intensity n="9765625" d="1000000"/>
+                    <am3d:pos x="21959998" y="70920001" z="16344003"/>
+                  </am3d:ptLight>
+                  <am3d:ptLight rad="0">
+                    <am3d:clr>
+                      <a:scrgbClr r="40000" g="60000" b="95000"/>
+                    </am3d:clr>
+                    <am3d:intensity n="12250000" d="1000000"/>
+                    <am3d:pos x="-37964106" y="51130435" z="57631972"/>
+                  </am3d:ptLight>
+                  <am3d:ptLight rad="0">
+                    <am3d:clr>
+                      <a:scrgbClr r="86837" g="72700" b="100000"/>
+                    </am3d:clr>
+                    <am3d:intensity n="3125000" d="1000000"/>
+                    <am3d:pos x="-37739122" y="58056624" z="-34769649"/>
+                  </am3d:ptLight>
+                </am3d:model3d>
+              </a:graphicData>
+            </a:graphic>
+          </p:graphicFrame>
+        </mc:Choice>
+        <mc:Fallback>
+          <p:pic>
+            <p:nvPicPr>
+              <p:cNvPr id="12" name="3D Model 11">
+                <a:extLst>
+                  <a:ext uri="{FF2B5EF4-FFF2-40B4-BE49-F238E27FC236}">
+                    <a16:creationId xmlns:a16="http://schemas.microsoft.com/office/drawing/2014/main" id="{FFEA6B29-4330-5EF9-00A8-DBCE55FA0DA0}"/>
+                  </a:ext>
+                </a:extLst>
+              </p:cNvPr>
+              <p:cNvPicPr>
+                <a:picLocks noGrp="1" noRot="1" noChangeAspect="1" noMove="1" noResize="1" noEditPoints="1" noAdjustHandles="1" noChangeArrowheads="1" noChangeShapeType="1" noCrop="1"/>
+              </p:cNvPicPr>
+              <p:nvPr/>
+            </p:nvPicPr>
+            <p:blipFill>
+              <a:blip r:embed="rId4"/>
+              <a:stretch>
+                <a:fillRect/>
+              </a:stretch>
+            </p:blipFill>
+            <p:spPr>
+              <a:xfrm>
+                <a:off x="9982199" y="4618089"/>
+                <a:ext cx="2214133" cy="2239910"/>
+              </a:xfrm>
+              <a:prstGeom prst="rect">
+                <a:avLst/>
+              </a:prstGeom>
+            </p:spPr>
+          </p:pic>
+        </mc:Fallback>
+      </mc:AlternateContent>
+      <mc:AlternateContent xmlns:mc="http://schemas.openxmlformats.org/markup-compatibility/2006">
+        <mc:Choice xmlns:am3d="http://schemas.microsoft.com/office/drawing/2017/model3d" Requires="am3d">
+          <p:graphicFrame>
+            <p:nvGraphicFramePr>
+              <p:cNvPr id="9" name="3D Model 8">
+                <a:extLst>
+                  <a:ext uri="{FF2B5EF4-FFF2-40B4-BE49-F238E27FC236}">
+                    <a16:creationId xmlns:a16="http://schemas.microsoft.com/office/drawing/2014/main" id="{2AD15B51-D201-B7EF-2A9C-15F93C083454}"/>
+                  </a:ext>
+                </a:extLst>
+              </p:cNvPr>
+              <p:cNvGraphicFramePr>
+                <a:graphicFrameLocks noChangeAspect="1"/>
+              </p:cNvGraphicFramePr>
+              <p:nvPr>
+                <p:extLst>
+                  <p:ext uri="{D42A27DB-BD31-4B8C-83A1-F6EECF244321}">
+                    <p14:modId xmlns:p14="http://schemas.microsoft.com/office/powerpoint/2010/main" val="422238625"/>
+                  </p:ext>
+                </p:extLst>
+              </p:nvPr>
+            </p:nvGraphicFramePr>
+            <p:xfrm rot="16200000">
+              <a:off x="-3550970" y="3385987"/>
+              <a:ext cx="3370864" cy="3447042"/>
+            </p:xfrm>
+            <a:graphic>
+              <a:graphicData uri="http://schemas.microsoft.com/office/drawing/2017/model3d">
+                <am3d:model3d r:embed="rId5">
+                  <am3d:spPr>
+                    <a:xfrm rot="16200000">
+                      <a:off x="0" y="0"/>
+                      <a:ext cx="3370864" cy="3447042"/>
+                    </a:xfrm>
+                    <a:prstGeom prst="rect">
+                      <a:avLst/>
+                    </a:prstGeom>
+                  </am3d:spPr>
+                  <am3d:camera>
+                    <am3d:pos x="0" y="0" z="69325936"/>
+                    <am3d:up dx="0" dy="36000000" dz="0"/>
+                    <am3d:lookAt x="0" y="0" z="0"/>
+                    <am3d:perspective fov="2700000"/>
+                  </am3d:camera>
+                  <am3d:trans>
+                    <am3d:meterPerModelUnit n="362193" d="1000000"/>
+                    <am3d:preTrans dx="24415" dy="755" dz="-8666828"/>
+                    <am3d:scale>
+                      <am3d:sx n="1000000" d="1000000"/>
+                      <am3d:sy n="1000000" d="1000000"/>
+                      <am3d:sz n="1000000" d="1000000"/>
+                    </am3d:scale>
+                    <am3d:rot ax="1055143" ay="826144" az="258838"/>
+                    <am3d:postTrans dx="0" dy="0" dz="0"/>
+                  </am3d:trans>
+                  <am3d:raster rName="Office3DRenderer" rVer="16.0.8326">
+                    <am3d:blip r:embed="rId6"/>
+                  </am3d:raster>
+                  <am3d:objViewport viewportSz="6665550"/>
+                  <am3d:ambientLight>
+                    <am3d:clr>
+                      <a:scrgbClr r="50000" g="50000" b="50000"/>
+                    </am3d:clr>
+                    <am3d:illuminance n="500000" d="1000000"/>
+                  </am3d:ambientLight>
+                  <am3d:ptLight rad="0">
+                    <am3d:clr>
+                      <a:scrgbClr r="100000" g="75000" b="50000"/>
+                    </am3d:clr>
+                    <am3d:intensity n="9765625" d="1000000"/>
+                    <am3d:pos x="21959998" y="70920001" z="16344003"/>
+                  </am3d:ptLight>
+                  <am3d:ptLight rad="0">
+                    <am3d:clr>
+                      <a:scrgbClr r="40000" g="60000" b="95000"/>
+                    </am3d:clr>
+                    <am3d:intensity n="12250000" d="1000000"/>
+                    <am3d:pos x="-37964106" y="51130435" z="57631972"/>
+                  </am3d:ptLight>
+                  <am3d:ptLight rad="0">
+                    <am3d:clr>
+                      <a:scrgbClr r="86837" g="72700" b="100000"/>
+                    </am3d:clr>
+                    <am3d:intensity n="3125000" d="1000000"/>
+                    <am3d:pos x="-37739122" y="58056624" z="-34769649"/>
+                  </am3d:ptLight>
+                </am3d:model3d>
+              </a:graphicData>
+            </a:graphic>
+          </p:graphicFrame>
+        </mc:Choice>
+        <mc:Fallback>
+          <p:pic>
+            <p:nvPicPr>
+              <p:cNvPr id="9" name="3D Model 8">
+                <a:extLst>
+                  <a:ext uri="{FF2B5EF4-FFF2-40B4-BE49-F238E27FC236}">
+                    <a16:creationId xmlns:a16="http://schemas.microsoft.com/office/drawing/2014/main" id="{2AD15B51-D201-B7EF-2A9C-15F93C083454}"/>
+                  </a:ext>
+                </a:extLst>
+              </p:cNvPr>
+              <p:cNvPicPr>
+                <a:picLocks noGrp="1" noRot="1" noChangeAspect="1" noMove="1" noResize="1" noEditPoints="1" noAdjustHandles="1" noChangeArrowheads="1" noChangeShapeType="1" noCrop="1"/>
+              </p:cNvPicPr>
+              <p:nvPr/>
+            </p:nvPicPr>
+            <p:blipFill>
+              <a:blip r:embed="rId6"/>
+              <a:stretch>
+                <a:fillRect/>
+              </a:stretch>
+            </p:blipFill>
+            <p:spPr>
+              <a:xfrm rot="16200000">
+                <a:off x="-3550970" y="3385987"/>
+                <a:ext cx="3370864" cy="3447042"/>
+              </a:xfrm>
+              <a:prstGeom prst="rect">
+                <a:avLst/>
+              </a:prstGeom>
+            </p:spPr>
+          </p:pic>
+        </mc:Fallback>
+      </mc:AlternateContent>
       <mc:AlternateContent xmlns:mc="http://schemas.openxmlformats.org/markup-compatibility/2006">
         <mc:Choice xmlns:am3d="http://schemas.microsoft.com/office/drawing/2017/model3d" Requires="am3d">
           <p:graphicFrame>
@@ -36072,7 +36349,7 @@
             </p:xfrm>
             <a:graphic>
               <a:graphicData uri="http://schemas.microsoft.com/office/drawing/2017/model3d">
-                <am3d:model3d r:embed="rId2">
+                <am3d:model3d r:embed="rId5">
                   <am3d:spPr>
                     <a:xfrm>
                       <a:off x="0" y="0"/>
@@ -36100,7 +36377,7 @@
                     <am3d:postTrans dx="0" dy="0" dz="0"/>
                   </am3d:trans>
                   <am3d:raster rName="Office3DRenderer" rVer="16.0.8326">
-                    <am3d:blip r:embed="rId3"/>
+                    <am3d:blip r:embed="rId7"/>
                   </am3d:raster>
                   <am3d:objViewport viewportSz="7074110"/>
                   <am3d:ambientLight>
@@ -36151,7 +36428,7 @@
               <p:nvPr/>
             </p:nvPicPr>
             <p:blipFill>
-              <a:blip r:embed="rId3"/>
+              <a:blip r:embed="rId7"/>
               <a:stretch>
                 <a:fillRect/>
               </a:stretch>
@@ -36160,283 +36437,6 @@
               <a:xfrm>
                 <a:off x="6096000" y="-4509082"/>
                 <a:ext cx="3875051" cy="4313019"/>
-              </a:xfrm>
-              <a:prstGeom prst="rect">
-                <a:avLst/>
-              </a:prstGeom>
-            </p:spPr>
-          </p:pic>
-        </mc:Fallback>
-      </mc:AlternateContent>
-      <mc:AlternateContent xmlns:mc="http://schemas.openxmlformats.org/markup-compatibility/2006">
-        <mc:Choice xmlns:am3d="http://schemas.microsoft.com/office/drawing/2017/model3d" Requires="am3d">
-          <p:graphicFrame>
-            <p:nvGraphicFramePr>
-              <p:cNvPr id="9" name="3D Model 8">
-                <a:extLst>
-                  <a:ext uri="{FF2B5EF4-FFF2-40B4-BE49-F238E27FC236}">
-                    <a16:creationId xmlns:a16="http://schemas.microsoft.com/office/drawing/2014/main" id="{2AD15B51-D201-B7EF-2A9C-15F93C083454}"/>
-                  </a:ext>
-                </a:extLst>
-              </p:cNvPr>
-              <p:cNvGraphicFramePr>
-                <a:graphicFrameLocks noChangeAspect="1"/>
-              </p:cNvGraphicFramePr>
-              <p:nvPr>
-                <p:extLst>
-                  <p:ext uri="{D42A27DB-BD31-4B8C-83A1-F6EECF244321}">
-                    <p14:modId xmlns:p14="http://schemas.microsoft.com/office/powerpoint/2010/main" val="422238625"/>
-                  </p:ext>
-                </p:extLst>
-              </p:nvPr>
-            </p:nvGraphicFramePr>
-            <p:xfrm rot="16200000">
-              <a:off x="-3550970" y="3385987"/>
-              <a:ext cx="3370864" cy="3447042"/>
-            </p:xfrm>
-            <a:graphic>
-              <a:graphicData uri="http://schemas.microsoft.com/office/drawing/2017/model3d">
-                <am3d:model3d r:embed="rId2">
-                  <am3d:spPr>
-                    <a:xfrm rot="16200000">
-                      <a:off x="0" y="0"/>
-                      <a:ext cx="3370864" cy="3447042"/>
-                    </a:xfrm>
-                    <a:prstGeom prst="rect">
-                      <a:avLst/>
-                    </a:prstGeom>
-                  </am3d:spPr>
-                  <am3d:camera>
-                    <am3d:pos x="0" y="0" z="69325936"/>
-                    <am3d:up dx="0" dy="36000000" dz="0"/>
-                    <am3d:lookAt x="0" y="0" z="0"/>
-                    <am3d:perspective fov="2700000"/>
-                  </am3d:camera>
-                  <am3d:trans>
-                    <am3d:meterPerModelUnit n="362193" d="1000000"/>
-                    <am3d:preTrans dx="24415" dy="755" dz="-8666828"/>
-                    <am3d:scale>
-                      <am3d:sx n="1000000" d="1000000"/>
-                      <am3d:sy n="1000000" d="1000000"/>
-                      <am3d:sz n="1000000" d="1000000"/>
-                    </am3d:scale>
-                    <am3d:rot ax="1055143" ay="826144" az="258838"/>
-                    <am3d:postTrans dx="0" dy="0" dz="0"/>
-                  </am3d:trans>
-                  <am3d:raster rName="Office3DRenderer" rVer="16.0.8326">
-                    <am3d:blip r:embed="rId4"/>
-                  </am3d:raster>
-                  <am3d:objViewport viewportSz="6665550"/>
-                  <am3d:ambientLight>
-                    <am3d:clr>
-                      <a:scrgbClr r="50000" g="50000" b="50000"/>
-                    </am3d:clr>
-                    <am3d:illuminance n="500000" d="1000000"/>
-                  </am3d:ambientLight>
-                  <am3d:ptLight rad="0">
-                    <am3d:clr>
-                      <a:scrgbClr r="100000" g="75000" b="50000"/>
-                    </am3d:clr>
-                    <am3d:intensity n="9765625" d="1000000"/>
-                    <am3d:pos x="21959998" y="70920001" z="16344003"/>
-                  </am3d:ptLight>
-                  <am3d:ptLight rad="0">
-                    <am3d:clr>
-                      <a:scrgbClr r="40000" g="60000" b="95000"/>
-                    </am3d:clr>
-                    <am3d:intensity n="12250000" d="1000000"/>
-                    <am3d:pos x="-37964106" y="51130435" z="57631972"/>
-                  </am3d:ptLight>
-                  <am3d:ptLight rad="0">
-                    <am3d:clr>
-                      <a:scrgbClr r="86837" g="72700" b="100000"/>
-                    </am3d:clr>
-                    <am3d:intensity n="3125000" d="1000000"/>
-                    <am3d:pos x="-37739122" y="58056624" z="-34769649"/>
-                  </am3d:ptLight>
-                </am3d:model3d>
-              </a:graphicData>
-            </a:graphic>
-          </p:graphicFrame>
-        </mc:Choice>
-        <mc:Fallback>
-          <p:pic>
-            <p:nvPicPr>
-              <p:cNvPr id="9" name="3D Model 8">
-                <a:extLst>
-                  <a:ext uri="{FF2B5EF4-FFF2-40B4-BE49-F238E27FC236}">
-                    <a16:creationId xmlns:a16="http://schemas.microsoft.com/office/drawing/2014/main" id="{2AD15B51-D201-B7EF-2A9C-15F93C083454}"/>
-                  </a:ext>
-                </a:extLst>
-              </p:cNvPr>
-              <p:cNvPicPr>
-                <a:picLocks noGrp="1" noRot="1" noChangeAspect="1" noMove="1" noResize="1" noEditPoints="1" noAdjustHandles="1" noChangeArrowheads="1" noChangeShapeType="1" noCrop="1"/>
-              </p:cNvPicPr>
-              <p:nvPr/>
-            </p:nvPicPr>
-            <p:blipFill>
-              <a:blip r:embed="rId4"/>
-              <a:stretch>
-                <a:fillRect/>
-              </a:stretch>
-            </p:blipFill>
-            <p:spPr>
-              <a:xfrm rot="16200000">
-                <a:off x="-3550970" y="3385987"/>
-                <a:ext cx="3370864" cy="3447042"/>
-              </a:xfrm>
-              <a:prstGeom prst="rect">
-                <a:avLst/>
-              </a:prstGeom>
-            </p:spPr>
-          </p:pic>
-        </mc:Fallback>
-      </mc:AlternateContent>
-      <p:pic>
-        <p:nvPicPr>
-          <p:cNvPr id="8" name="Picture 7" descr="A picture containing table, indoor&#10;&#10;Description automatically generated">
-            <a:extLst>
-              <a:ext uri="{FF2B5EF4-FFF2-40B4-BE49-F238E27FC236}">
-                <a16:creationId xmlns:a16="http://schemas.microsoft.com/office/drawing/2014/main" id="{29DC28F0-F960-9A9F-2CED-142A779A5E74}"/>
-              </a:ext>
-            </a:extLst>
-          </p:cNvPr>
-          <p:cNvPicPr>
-            <a:picLocks noChangeAspect="1"/>
-          </p:cNvPicPr>
-          <p:nvPr/>
-        </p:nvPicPr>
-        <p:blipFill rotWithShape="1">
-          <a:blip r:embed="rId5"/>
-          <a:srcRect l="3260" t="3248" b="14017"/>
-          <a:stretch/>
-        </p:blipFill>
-        <p:spPr>
-          <a:xfrm>
-            <a:off x="7294404" y="592015"/>
-            <a:ext cx="3731849" cy="5673970"/>
-          </a:xfrm>
-          <a:prstGeom prst="rect">
-            <a:avLst/>
-          </a:prstGeom>
-        </p:spPr>
-      </p:pic>
-      <mc:AlternateContent xmlns:mc="http://schemas.openxmlformats.org/markup-compatibility/2006">
-        <mc:Choice xmlns:am3d="http://schemas.microsoft.com/office/drawing/2017/model3d" Requires="am3d">
-          <p:graphicFrame>
-            <p:nvGraphicFramePr>
-              <p:cNvPr id="12" name="3D Model 11">
-                <a:extLst>
-                  <a:ext uri="{FF2B5EF4-FFF2-40B4-BE49-F238E27FC236}">
-                    <a16:creationId xmlns:a16="http://schemas.microsoft.com/office/drawing/2014/main" id="{FFEA6B29-4330-5EF9-00A8-DBCE55FA0DA0}"/>
-                  </a:ext>
-                </a:extLst>
-              </p:cNvPr>
-              <p:cNvGraphicFramePr>
-                <a:graphicFrameLocks noChangeAspect="1"/>
-              </p:cNvGraphicFramePr>
-              <p:nvPr>
-                <p:extLst>
-                  <p:ext uri="{D42A27DB-BD31-4B8C-83A1-F6EECF244321}">
-                    <p14:modId xmlns:p14="http://schemas.microsoft.com/office/powerpoint/2010/main" val="1037395558"/>
-                  </p:ext>
-                </p:extLst>
-              </p:nvPr>
-            </p:nvGraphicFramePr>
-            <p:xfrm>
-              <a:off x="9982199" y="4618089"/>
-              <a:ext cx="2214133" cy="2239910"/>
-            </p:xfrm>
-            <a:graphic>
-              <a:graphicData uri="http://schemas.microsoft.com/office/drawing/2017/model3d">
-                <am3d:model3d r:embed="rId6">
-                  <am3d:spPr>
-                    <a:xfrm>
-                      <a:off x="0" y="0"/>
-                      <a:ext cx="2214133" cy="2239910"/>
-                    </a:xfrm>
-                    <a:prstGeom prst="rect">
-                      <a:avLst/>
-                    </a:prstGeom>
-                  </am3d:spPr>
-                  <am3d:camera>
-                    <am3d:pos x="0" y="0" z="67370412"/>
-                    <am3d:up dx="0" dy="36000000" dz="0"/>
-                    <am3d:lookAt x="0" y="0" z="0"/>
-                    <am3d:perspective fov="2700000"/>
-                  </am3d:camera>
-                  <am3d:trans>
-                    <am3d:meterPerModelUnit n="262659" d="1000000"/>
-                    <am3d:preTrans dx="56765" dy="353618" dz="1590307"/>
-                    <am3d:scale>
-                      <am3d:sx n="1000000" d="1000000"/>
-                      <am3d:sy n="1000000" d="1000000"/>
-                      <am3d:sz n="1000000" d="1000000"/>
-                    </am3d:scale>
-                    <am3d:rot ax="1727737" ay="-3655646" az="-1539569"/>
-                    <am3d:postTrans dx="0" dy="0" dz="0"/>
-                  </am3d:trans>
-                  <am3d:raster rName="Office3DRenderer" rVer="16.0.8326">
-                    <am3d:blip r:embed="rId7"/>
-                  </am3d:raster>
-                  <am3d:objViewport viewportSz="3240425"/>
-                  <am3d:ambientLight>
-                    <am3d:clr>
-                      <a:scrgbClr r="50000" g="50000" b="50000"/>
-                    </am3d:clr>
-                    <am3d:illuminance n="500000" d="1000000"/>
-                  </am3d:ambientLight>
-                  <am3d:ptLight rad="0">
-                    <am3d:clr>
-                      <a:scrgbClr r="100000" g="75000" b="50000"/>
-                    </am3d:clr>
-                    <am3d:intensity n="9765625" d="1000000"/>
-                    <am3d:pos x="21959998" y="70920001" z="16344003"/>
-                  </am3d:ptLight>
-                  <am3d:ptLight rad="0">
-                    <am3d:clr>
-                      <a:scrgbClr r="40000" g="60000" b="95000"/>
-                    </am3d:clr>
-                    <am3d:intensity n="12250000" d="1000000"/>
-                    <am3d:pos x="-37964106" y="51130435" z="57631972"/>
-                  </am3d:ptLight>
-                  <am3d:ptLight rad="0">
-                    <am3d:clr>
-                      <a:scrgbClr r="86837" g="72700" b="100000"/>
-                    </am3d:clr>
-                    <am3d:intensity n="3125000" d="1000000"/>
-                    <am3d:pos x="-37739122" y="58056624" z="-34769649"/>
-                  </am3d:ptLight>
-                </am3d:model3d>
-              </a:graphicData>
-            </a:graphic>
-          </p:graphicFrame>
-        </mc:Choice>
-        <mc:Fallback>
-          <p:pic>
-            <p:nvPicPr>
-              <p:cNvPr id="12" name="3D Model 11">
-                <a:extLst>
-                  <a:ext uri="{FF2B5EF4-FFF2-40B4-BE49-F238E27FC236}">
-                    <a16:creationId xmlns:a16="http://schemas.microsoft.com/office/drawing/2014/main" id="{FFEA6B29-4330-5EF9-00A8-DBCE55FA0DA0}"/>
-                  </a:ext>
-                </a:extLst>
-              </p:cNvPr>
-              <p:cNvPicPr>
-                <a:picLocks noGrp="1" noRot="1" noChangeAspect="1" noMove="1" noResize="1" noEditPoints="1" noAdjustHandles="1" noChangeArrowheads="1" noChangeShapeType="1" noCrop="1"/>
-              </p:cNvPicPr>
-              <p:nvPr/>
-            </p:nvPicPr>
-            <p:blipFill>
-              <a:blip r:embed="rId7"/>
-              <a:stretch>
-                <a:fillRect/>
-              </a:stretch>
-            </p:blipFill>
-            <p:spPr>
-              <a:xfrm>
-                <a:off x="9982199" y="4618089"/>
-                <a:ext cx="2214133" cy="2239910"/>
               </a:xfrm>
               <a:prstGeom prst="rect">
                 <a:avLst/>
@@ -38680,61 +38680,130 @@
           </p:pic>
         </mc:Fallback>
       </mc:AlternateContent>
-      <p:sp>
-        <p:nvSpPr>
-          <p:cNvPr id="5" name="Title 9">
-            <a:extLst>
-              <a:ext uri="{FF2B5EF4-FFF2-40B4-BE49-F238E27FC236}">
-                <a16:creationId xmlns:a16="http://schemas.microsoft.com/office/drawing/2014/main" id="{F6A072DB-D0BE-F439-3BFE-7E8A54E267CC}"/>
-              </a:ext>
-            </a:extLst>
-          </p:cNvPr>
-          <p:cNvSpPr txBox="1">
-            <a:spLocks/>
-          </p:cNvSpPr>
-          <p:nvPr/>
-        </p:nvSpPr>
-        <p:spPr>
-          <a:xfrm>
-            <a:off x="6638640" y="2242457"/>
-            <a:ext cx="4913710" cy="2373086"/>
-          </a:xfrm>
-          <a:prstGeom prst="rect">
-            <a:avLst/>
-          </a:prstGeom>
-        </p:spPr>
-        <p:txBody>
-          <a:bodyPr vert="horz" lIns="91440" tIns="45720" rIns="91440" bIns="45720" rtlCol="0" anchor="ctr">
-            <a:normAutofit/>
-          </a:bodyPr>
-          <a:lstStyle>
-            <a:lvl1pPr algn="l" defTabSz="914400" rtl="0" eaLnBrk="1" latinLnBrk="0" hangingPunct="1">
-              <a:lnSpc>
-                <a:spcPct val="100000"/>
-              </a:lnSpc>
-              <a:spcBef>
-                <a:spcPct val="0"/>
-              </a:spcBef>
-              <a:buNone/>
-              <a:defRPr sz="4800" i="1" kern="1200">
-                <a:solidFill>
-                  <a:schemeClr val="bg1"/>
-                </a:solidFill>
-                <a:latin typeface="+mj-lt"/>
-                <a:ea typeface="+mj-ea"/>
-                <a:cs typeface="+mj-cs"/>
-              </a:defRPr>
-            </a:lvl1pPr>
-          </a:lstStyle>
-          <a:p>
-            <a:pPr algn="ctr"/>
-            <a:r>
-              <a:rPr lang="en-US" sz="4000" dirty="0"/>
-              <a:t>RESULTS</a:t>
-            </a:r>
-          </a:p>
-        </p:txBody>
-      </p:sp>
+      <mc:AlternateContent xmlns:mc="http://schemas.openxmlformats.org/markup-compatibility/2006">
+        <mc:Choice xmlns:am3d="http://schemas.microsoft.com/office/drawing/2017/model3d" Requires="am3d">
+          <p:graphicFrame>
+            <p:nvGraphicFramePr>
+              <p:cNvPr id="8" name="3D Model 7">
+                <a:extLst>
+                  <a:ext uri="{FF2B5EF4-FFF2-40B4-BE49-F238E27FC236}">
+                    <a16:creationId xmlns:a16="http://schemas.microsoft.com/office/drawing/2014/main" id="{49459C72-07AF-0F33-37FF-22D7379C4065}"/>
+                  </a:ext>
+                </a:extLst>
+              </p:cNvPr>
+              <p:cNvGraphicFramePr>
+                <a:graphicFrameLocks noChangeAspect="1"/>
+              </p:cNvGraphicFramePr>
+              <p:nvPr>
+                <p:extLst>
+                  <p:ext uri="{D42A27DB-BD31-4B8C-83A1-F6EECF244321}">
+                    <p14:modId xmlns:p14="http://schemas.microsoft.com/office/powerpoint/2010/main" val="1592656444"/>
+                  </p:ext>
+                </p:extLst>
+              </p:nvPr>
+            </p:nvGraphicFramePr>
+            <p:xfrm rot="21352874">
+              <a:off x="7876974" y="3338556"/>
+              <a:ext cx="695194" cy="1095169"/>
+            </p:xfrm>
+            <a:graphic>
+              <a:graphicData uri="http://schemas.microsoft.com/office/drawing/2017/model3d">
+                <am3d:model3d r:embed="rId6">
+                  <am3d:spPr>
+                    <a:xfrm rot="21352874">
+                      <a:off x="0" y="0"/>
+                      <a:ext cx="695194" cy="1095169"/>
+                    </a:xfrm>
+                    <a:prstGeom prst="rect">
+                      <a:avLst/>
+                    </a:prstGeom>
+                  </am3d:spPr>
+                  <am3d:camera>
+                    <am3d:pos x="0" y="0" z="60489624"/>
+                    <am3d:up dx="0" dy="36000000" dz="0"/>
+                    <am3d:lookAt x="0" y="0" z="0"/>
+                    <am3d:perspective fov="2700000"/>
+                  </am3d:camera>
+                  <am3d:trans>
+                    <am3d:meterPerModelUnit n="285593" d="1000000"/>
+                    <am3d:preTrans dx="-12003" dy="5151" dz="-7732041"/>
+                    <am3d:scale>
+                      <am3d:sx n="1000000" d="1000000"/>
+                      <am3d:sy n="1000000" d="1000000"/>
+                      <am3d:sz n="1000000" d="1000000"/>
+                    </am3d:scale>
+                    <am3d:rot ax="-5382436" ay="-1800" az="353318"/>
+                    <am3d:postTrans dx="0" dy="0" dz="0"/>
+                  </am3d:trans>
+                  <am3d:raster rName="Office3DRenderer" rVer="16.0.8326">
+                    <am3d:blip r:embed="rId7"/>
+                  </am3d:raster>
+                  <am3d:objViewport viewportSz="1380865"/>
+                  <am3d:ambientLight>
+                    <am3d:clr>
+                      <a:scrgbClr r="50000" g="50000" b="50000"/>
+                    </am3d:clr>
+                    <am3d:illuminance n="500000" d="1000000"/>
+                  </am3d:ambientLight>
+                  <am3d:ptLight rad="0">
+                    <am3d:clr>
+                      <a:scrgbClr r="100000" g="75000" b="50000"/>
+                    </am3d:clr>
+                    <am3d:intensity n="9765625" d="1000000"/>
+                    <am3d:pos x="21959998" y="70920001" z="16344003"/>
+                  </am3d:ptLight>
+                  <am3d:ptLight rad="0">
+                    <am3d:clr>
+                      <a:scrgbClr r="40000" g="60000" b="95000"/>
+                    </am3d:clr>
+                    <am3d:intensity n="12250000" d="1000000"/>
+                    <am3d:pos x="-37964106" y="51130435" z="57631972"/>
+                  </am3d:ptLight>
+                  <am3d:ptLight rad="0">
+                    <am3d:clr>
+                      <a:scrgbClr r="86837" g="72700" b="100000"/>
+                    </am3d:clr>
+                    <am3d:intensity n="3125000" d="1000000"/>
+                    <am3d:pos x="-37739122" y="58056624" z="-34769649"/>
+                  </am3d:ptLight>
+                </am3d:model3d>
+              </a:graphicData>
+            </a:graphic>
+          </p:graphicFrame>
+        </mc:Choice>
+        <mc:Fallback>
+          <p:pic>
+            <p:nvPicPr>
+              <p:cNvPr id="8" name="3D Model 7">
+                <a:extLst>
+                  <a:ext uri="{FF2B5EF4-FFF2-40B4-BE49-F238E27FC236}">
+                    <a16:creationId xmlns:a16="http://schemas.microsoft.com/office/drawing/2014/main" id="{49459C72-07AF-0F33-37FF-22D7379C4065}"/>
+                  </a:ext>
+                </a:extLst>
+              </p:cNvPr>
+              <p:cNvPicPr>
+                <a:picLocks noGrp="1" noRot="1" noChangeAspect="1" noMove="1" noResize="1" noEditPoints="1" noAdjustHandles="1" noChangeArrowheads="1" noChangeShapeType="1" noCrop="1"/>
+              </p:cNvPicPr>
+              <p:nvPr/>
+            </p:nvPicPr>
+            <p:blipFill>
+              <a:blip r:embed="rId7"/>
+              <a:stretch>
+                <a:fillRect/>
+              </a:stretch>
+            </p:blipFill>
+            <p:spPr>
+              <a:xfrm rot="21352874">
+                <a:off x="7876974" y="3338556"/>
+                <a:ext cx="695194" cy="1095169"/>
+              </a:xfrm>
+              <a:prstGeom prst="rect">
+                <a:avLst/>
+              </a:prstGeom>
+            </p:spPr>
+          </p:pic>
+        </mc:Fallback>
+      </mc:AlternateContent>
       <mc:AlternateContent xmlns:mc="http://schemas.openxmlformats.org/markup-compatibility/2006">
         <mc:Choice xmlns:am3d="http://schemas.microsoft.com/office/drawing/2017/model3d" Requires="am3d">
           <p:graphicFrame>
@@ -38752,7 +38821,7 @@
               <p:nvPr>
                 <p:extLst>
                   <p:ext uri="{D42A27DB-BD31-4B8C-83A1-F6EECF244321}">
-                    <p14:modId xmlns:p14="http://schemas.microsoft.com/office/powerpoint/2010/main" val="694489898"/>
+                    <p14:modId xmlns:p14="http://schemas.microsoft.com/office/powerpoint/2010/main" val="3170354160"/>
                   </p:ext>
                 </p:extLst>
               </p:nvPr>
@@ -38791,7 +38860,7 @@
                     <am3d:postTrans dx="0" dy="0" dz="0"/>
                   </am3d:trans>
                   <am3d:raster rName="Office3DRenderer" rVer="16.0.8326">
-                    <am3d:blip r:embed="rId7"/>
+                    <am3d:blip r:embed="rId8"/>
                   </am3d:raster>
                   <am3d:objViewport viewportSz="1570635"/>
                   <am3d:ambientLight>
@@ -38842,7 +38911,7 @@
               <p:nvPr/>
             </p:nvPicPr>
             <p:blipFill>
-              <a:blip r:embed="rId7"/>
+              <a:blip r:embed="rId8"/>
               <a:stretch>
                 <a:fillRect/>
               </a:stretch>
@@ -38859,6 +38928,61 @@
           </p:pic>
         </mc:Fallback>
       </mc:AlternateContent>
+      <p:sp>
+        <p:nvSpPr>
+          <p:cNvPr id="5" name="Title 9">
+            <a:extLst>
+              <a:ext uri="{FF2B5EF4-FFF2-40B4-BE49-F238E27FC236}">
+                <a16:creationId xmlns:a16="http://schemas.microsoft.com/office/drawing/2014/main" id="{F6A072DB-D0BE-F439-3BFE-7E8A54E267CC}"/>
+              </a:ext>
+            </a:extLst>
+          </p:cNvPr>
+          <p:cNvSpPr txBox="1">
+            <a:spLocks/>
+          </p:cNvSpPr>
+          <p:nvPr/>
+        </p:nvSpPr>
+        <p:spPr>
+          <a:xfrm>
+            <a:off x="6974542" y="2242457"/>
+            <a:ext cx="4913710" cy="2373086"/>
+          </a:xfrm>
+          <a:prstGeom prst="rect">
+            <a:avLst/>
+          </a:prstGeom>
+        </p:spPr>
+        <p:txBody>
+          <a:bodyPr vert="horz" lIns="91440" tIns="45720" rIns="91440" bIns="45720" rtlCol="0" anchor="ctr">
+            <a:normAutofit/>
+          </a:bodyPr>
+          <a:lstStyle>
+            <a:lvl1pPr algn="l" defTabSz="914400" rtl="0" eaLnBrk="1" latinLnBrk="0" hangingPunct="1">
+              <a:lnSpc>
+                <a:spcPct val="100000"/>
+              </a:lnSpc>
+              <a:spcBef>
+                <a:spcPct val="0"/>
+              </a:spcBef>
+              <a:buNone/>
+              <a:defRPr sz="4800" i="1" kern="1200">
+                <a:solidFill>
+                  <a:schemeClr val="bg1"/>
+                </a:solidFill>
+                <a:latin typeface="+mj-lt"/>
+                <a:ea typeface="+mj-ea"/>
+                <a:cs typeface="+mj-cs"/>
+              </a:defRPr>
+            </a:lvl1pPr>
+          </a:lstStyle>
+          <a:p>
+            <a:pPr algn="ctr"/>
+            <a:r>
+              <a:rPr lang="en-US" sz="4000" dirty="0"/>
+              <a:t>RESULTS</a:t>
+            </a:r>
+          </a:p>
+        </p:txBody>
+      </p:sp>
     </p:spTree>
     <p:extLst>
       <p:ext uri="{BB962C8B-B14F-4D97-AF65-F5344CB8AC3E}">
@@ -41008,6 +41132,9 @@
                     <p:cTn id="3" fill="hold">
                       <p:stCondLst>
                         <p:cond delay="indefinite"/>
+                        <p:cond evt="onBegin" delay="0">
+                          <p:tn val="2"/>
+                        </p:cond>
                       </p:stCondLst>
                       <p:childTnLst>
                         <p:par>
@@ -41017,9 +41144,9 @@
                             </p:stCondLst>
                             <p:childTnLst>
                               <p:par>
-                                <p:cTn id="5" presetID="35" presetClass="path" presetSubtype="0" accel="50000" decel="50000" fill="hold" nodeType="clickEffect">
+                                <p:cTn id="5" presetID="35" presetClass="path" presetSubtype="0" accel="50000" decel="50000" fill="hold" nodeType="withEffect">
                                   <p:stCondLst>
-                                    <p:cond delay="1100"/>
+                                    <p:cond delay="500"/>
                                   </p:stCondLst>
                                   <p:childTnLst>
                                     <p:animMotion origin="layout" path="M -1.875E-6 -2.96296E-6 L -0.43242 -0.00393 " pathEditMode="relative" rAng="0" ptsTypes="AA">
@@ -43607,6 +43734,9 @@
   <p:clrMapOvr>
     <a:masterClrMapping/>
   </p:clrMapOvr>
+  <p:transition spd="slow">
+    <p:push dir="u"/>
+  </p:transition>
 </p:sld>
 </file>
 
@@ -44107,6 +44237,15 @@
 </file>
 
 <file path=customXml/item1.xml><?xml version="1.0" encoding="utf-8"?>
+<p:properties xmlns:p="http://schemas.microsoft.com/office/2006/metadata/properties" xmlns:xsi="http://www.w3.org/2001/XMLSchema-instance" xmlns:pc="http://schemas.microsoft.com/office/infopath/2007/PartnerControls">
+  <documentManagement>
+    <Status xmlns="71af3243-3dd4-4a8d-8c0d-dd76da1f02a5">Not started</Status>
+    <MediaServiceKeyPoints xmlns="71af3243-3dd4-4a8d-8c0d-dd76da1f02a5" xsi:nil="true"/>
+  </documentManagement>
+</p:properties>
+</file>
+
+<file path=customXml/item2.xml><?xml version="1.0" encoding="utf-8"?>
 <ct:contentTypeSchema xmlns:ct="http://schemas.microsoft.com/office/2006/metadata/contentType" xmlns:ma="http://schemas.microsoft.com/office/2006/metadata/properties/metaAttributes" ct:_="" ma:_="" ma:contentTypeName="Document" ma:contentTypeID="0x01010079F111ED35F8CC479449609E8A0923A6" ma:contentTypeVersion="12" ma:contentTypeDescription="Create a new document." ma:contentTypeScope="" ma:versionID="426e97fa315356fffbdcd9876fe988c2">
   <xsd:schema xmlns:xsd="http://www.w3.org/2001/XMLSchema" xmlns:xs="http://www.w3.org/2001/XMLSchema" xmlns:p="http://schemas.microsoft.com/office/2006/metadata/properties" xmlns:ns2="71af3243-3dd4-4a8d-8c0d-dd76da1f02a5" xmlns:ns3="16c05727-aa75-4e4a-9b5f-8a80a1165891" targetNamespace="http://schemas.microsoft.com/office/2006/metadata/properties" ma:root="true" ma:fieldsID="14b8f0def80e6d70ce3def20c90759ae" ns2:_="" ns3:_="">
     <xsd:import namespace="71af3243-3dd4-4a8d-8c0d-dd76da1f02a5"/>
@@ -44327,15 +44466,6 @@
 </ct:contentTypeSchema>
 </file>
 
-<file path=customXml/item2.xml><?xml version="1.0" encoding="utf-8"?>
-<p:properties xmlns:p="http://schemas.microsoft.com/office/2006/metadata/properties" xmlns:xsi="http://www.w3.org/2001/XMLSchema-instance" xmlns:pc="http://schemas.microsoft.com/office/infopath/2007/PartnerControls">
-  <documentManagement>
-    <Status xmlns="71af3243-3dd4-4a8d-8c0d-dd76da1f02a5">Not started</Status>
-    <MediaServiceKeyPoints xmlns="71af3243-3dd4-4a8d-8c0d-dd76da1f02a5" xsi:nil="true"/>
-  </documentManagement>
-</p:properties>
-</file>
-
 <file path=customXml/item3.xml><?xml version="1.0" encoding="utf-8"?>
 <?mso-contentType ?>
 <FormTemplates xmlns="http://schemas.microsoft.com/sharepoint/v3/contenttype/forms">
@@ -44346,6 +44476,16 @@
 </file>
 
 <file path=customXml/itemProps1.xml><?xml version="1.0" encoding="utf-8"?>
+<ds:datastoreItem xmlns:ds="http://schemas.openxmlformats.org/officeDocument/2006/customXml" ds:itemID="{9DFCC198-DBFA-46B2-A241-8E3888E63670}">
+  <ds:schemaRefs>
+    <ds:schemaRef ds:uri="http://schemas.microsoft.com/office/2006/metadata/properties"/>
+    <ds:schemaRef ds:uri="http://schemas.microsoft.com/office/infopath/2007/PartnerControls"/>
+    <ds:schemaRef ds:uri="71af3243-3dd4-4a8d-8c0d-dd76da1f02a5"/>
+  </ds:schemaRefs>
+</ds:datastoreItem>
+</file>
+
+<file path=customXml/itemProps2.xml><?xml version="1.0" encoding="utf-8"?>
 <ds:datastoreItem xmlns:ds="http://schemas.openxmlformats.org/officeDocument/2006/customXml" ds:itemID="{897C4F4F-E645-4C6F-B0C3-39923BA08249}">
   <ds:schemaRefs>
     <ds:schemaRef ds:uri="http://schemas.microsoft.com/office/2006/metadata/contentType"/>
@@ -44364,16 +44504,6 @@
 </ds:datastoreItem>
 </file>
 
-<file path=customXml/itemProps2.xml><?xml version="1.0" encoding="utf-8"?>
-<ds:datastoreItem xmlns:ds="http://schemas.openxmlformats.org/officeDocument/2006/customXml" ds:itemID="{9DFCC198-DBFA-46B2-A241-8E3888E63670}">
-  <ds:schemaRefs>
-    <ds:schemaRef ds:uri="http://schemas.microsoft.com/office/2006/metadata/properties"/>
-    <ds:schemaRef ds:uri="http://schemas.microsoft.com/office/infopath/2007/PartnerControls"/>
-    <ds:schemaRef ds:uri="71af3243-3dd4-4a8d-8c0d-dd76da1f02a5"/>
-  </ds:schemaRefs>
-</ds:datastoreItem>
-</file>
-
 <file path=customXml/itemProps3.xml><?xml version="1.0" encoding="utf-8"?>
 <ds:datastoreItem xmlns:ds="http://schemas.openxmlformats.org/officeDocument/2006/customXml" ds:itemID="{C0DCE9DA-F7FD-45FA-83B7-D9813A44258A}">
   <ds:schemaRefs>

--- a/Egg drop lab.pptx
+++ b/Egg drop lab.pptx
@@ -230,7 +230,7 @@
           <a:p>
             <a:fld id="{B860B616-BCB2-4E7C-BAA6-B90DF21B9EDF}" type="datetimeFigureOut">
               <a:rPr lang="en-US" smtClean="0"/>
-              <a:t>1/6/2023</a:t>
+              <a:t>1/9/2023</a:t>
             </a:fld>
             <a:endParaRPr lang="en-US" dirty="0"/>
           </a:p>
@@ -33778,7 +33778,14 @@
             <a:pPr algn="ctr"/>
             <a:r>
               <a:rPr lang="en-US" sz="4000" dirty="0"/>
-              <a:t>CHALLENGES </a:t>
+              <a:t>FACTORS/</a:t>
+            </a:r>
+          </a:p>
+          <a:p>
+            <a:pPr algn="ctr"/>
+            <a:r>
+              <a:rPr lang="en-US" sz="4000" dirty="0"/>
+              <a:t>PRINCIPLES </a:t>
             </a:r>
           </a:p>
         </p:txBody>
@@ -33989,7 +33996,7 @@
             </a:pPr>
             <a:r>
               <a:rPr lang="en-US" sz="2000" dirty="0"/>
-              <a:t>Nothing can be attached directly to the egg through glue</a:t>
+              <a:t>The average egg can only withstand 35N of horizontal force, an egg without structure will have a momentum of 0.27 kg*m/s.</a:t>
             </a:r>
           </a:p>
           <a:p>
@@ -33998,8 +34005,34 @@
             </a:pPr>
             <a:r>
               <a:rPr lang="en-US" sz="2000" dirty="0"/>
-              <a:t>The structure cannot be tested prior to the drop</a:t>
+              <a:t>Air resistance can be considered.</a:t>
             </a:r>
+          </a:p>
+          <a:p>
+            <a:pPr marL="457200" indent="-457200">
+              <a:buAutoNum type="arabicPeriod"/>
+            </a:pPr>
+            <a:r>
+              <a:rPr lang="en-US" sz="2000" dirty="0"/>
+              <a:t>J = F*</a:t>
+            </a:r>
+            <a:r>
+              <a:rPr lang="el-GR" sz="2000" dirty="0">
+                <a:latin typeface="Calibri" panose="020F0502020204030204" pitchFamily="34" charset="0"/>
+                <a:ea typeface="Calibri" panose="020F0502020204030204" pitchFamily="34" charset="0"/>
+                <a:cs typeface="Calibri" panose="020F0502020204030204" pitchFamily="34" charset="0"/>
+              </a:rPr>
+              <a:t>Δ</a:t>
+            </a:r>
+            <a:r>
+              <a:rPr lang="en-US" sz="2000" dirty="0">
+                <a:latin typeface="Calibri" panose="020F0502020204030204" pitchFamily="34" charset="0"/>
+                <a:ea typeface="Calibri" panose="020F0502020204030204" pitchFamily="34" charset="0"/>
+                <a:cs typeface="Calibri" panose="020F0502020204030204" pitchFamily="34" charset="0"/>
+              </a:rPr>
+              <a:t>t; Maximizing the impact time will minimize the instantaneous force.</a:t>
+            </a:r>
+            <a:endParaRPr lang="en-US" sz="2000" dirty="0"/>
           </a:p>
         </p:txBody>
       </p:sp>
@@ -38297,7 +38330,7 @@
             </a:pPr>
             <a:r>
               <a:rPr lang="en-US" sz="2000" dirty="0"/>
-              <a:t>Results information</a:t>
+              <a:t>Our egg survived drops of one and two meters and shattered at a drop of three meters. The structure suffered minor damages after the first drop, however these were easily repairable.</a:t>
             </a:r>
           </a:p>
         </p:txBody>
@@ -40670,7 +40703,7 @@
             </a:pPr>
             <a:r>
               <a:rPr lang="en-US" sz="2000" dirty="0"/>
-              <a:t>Improvements information</a:t>
+              <a:t>We didn’t account for weight optimization. The structure landed on its side, exposing the egg’s weak points. We could also improve the weight distribution by keeping the bottom of the structure grounded with extra weight and lightening up the load on the top of the structure where the egg is. We could do this by attaching paper clips to the bottom of the structure and moving the egg and cotton ball bag to the bottom of the structure.</a:t>
             </a:r>
           </a:p>
         </p:txBody>
@@ -44237,15 +44270,6 @@
 </file>
 
 <file path=customXml/item1.xml><?xml version="1.0" encoding="utf-8"?>
-<p:properties xmlns:p="http://schemas.microsoft.com/office/2006/metadata/properties" xmlns:xsi="http://www.w3.org/2001/XMLSchema-instance" xmlns:pc="http://schemas.microsoft.com/office/infopath/2007/PartnerControls">
-  <documentManagement>
-    <Status xmlns="71af3243-3dd4-4a8d-8c0d-dd76da1f02a5">Not started</Status>
-    <MediaServiceKeyPoints xmlns="71af3243-3dd4-4a8d-8c0d-dd76da1f02a5" xsi:nil="true"/>
-  </documentManagement>
-</p:properties>
-</file>
-
-<file path=customXml/item2.xml><?xml version="1.0" encoding="utf-8"?>
 <ct:contentTypeSchema xmlns:ct="http://schemas.microsoft.com/office/2006/metadata/contentType" xmlns:ma="http://schemas.microsoft.com/office/2006/metadata/properties/metaAttributes" ct:_="" ma:_="" ma:contentTypeName="Document" ma:contentTypeID="0x01010079F111ED35F8CC479449609E8A0923A6" ma:contentTypeVersion="12" ma:contentTypeDescription="Create a new document." ma:contentTypeScope="" ma:versionID="426e97fa315356fffbdcd9876fe988c2">
   <xsd:schema xmlns:xsd="http://www.w3.org/2001/XMLSchema" xmlns:xs="http://www.w3.org/2001/XMLSchema" xmlns:p="http://schemas.microsoft.com/office/2006/metadata/properties" xmlns:ns2="71af3243-3dd4-4a8d-8c0d-dd76da1f02a5" xmlns:ns3="16c05727-aa75-4e4a-9b5f-8a80a1165891" targetNamespace="http://schemas.microsoft.com/office/2006/metadata/properties" ma:root="true" ma:fieldsID="14b8f0def80e6d70ce3def20c90759ae" ns2:_="" ns3:_="">
     <xsd:import namespace="71af3243-3dd4-4a8d-8c0d-dd76da1f02a5"/>
@@ -44466,6 +44490,15 @@
 </ct:contentTypeSchema>
 </file>
 
+<file path=customXml/item2.xml><?xml version="1.0" encoding="utf-8"?>
+<p:properties xmlns:p="http://schemas.microsoft.com/office/2006/metadata/properties" xmlns:xsi="http://www.w3.org/2001/XMLSchema-instance" xmlns:pc="http://schemas.microsoft.com/office/infopath/2007/PartnerControls">
+  <documentManagement>
+    <Status xmlns="71af3243-3dd4-4a8d-8c0d-dd76da1f02a5">Not started</Status>
+    <MediaServiceKeyPoints xmlns="71af3243-3dd4-4a8d-8c0d-dd76da1f02a5" xsi:nil="true"/>
+  </documentManagement>
+</p:properties>
+</file>
+
 <file path=customXml/item3.xml><?xml version="1.0" encoding="utf-8"?>
 <?mso-contentType ?>
 <FormTemplates xmlns="http://schemas.microsoft.com/sharepoint/v3/contenttype/forms">
@@ -44476,16 +44509,6 @@
 </file>
 
 <file path=customXml/itemProps1.xml><?xml version="1.0" encoding="utf-8"?>
-<ds:datastoreItem xmlns:ds="http://schemas.openxmlformats.org/officeDocument/2006/customXml" ds:itemID="{9DFCC198-DBFA-46B2-A241-8E3888E63670}">
-  <ds:schemaRefs>
-    <ds:schemaRef ds:uri="http://schemas.microsoft.com/office/2006/metadata/properties"/>
-    <ds:schemaRef ds:uri="http://schemas.microsoft.com/office/infopath/2007/PartnerControls"/>
-    <ds:schemaRef ds:uri="71af3243-3dd4-4a8d-8c0d-dd76da1f02a5"/>
-  </ds:schemaRefs>
-</ds:datastoreItem>
-</file>
-
-<file path=customXml/itemProps2.xml><?xml version="1.0" encoding="utf-8"?>
 <ds:datastoreItem xmlns:ds="http://schemas.openxmlformats.org/officeDocument/2006/customXml" ds:itemID="{897C4F4F-E645-4C6F-B0C3-39923BA08249}">
   <ds:schemaRefs>
     <ds:schemaRef ds:uri="http://schemas.microsoft.com/office/2006/metadata/contentType"/>
@@ -44504,6 +44527,16 @@
 </ds:datastoreItem>
 </file>
 
+<file path=customXml/itemProps2.xml><?xml version="1.0" encoding="utf-8"?>
+<ds:datastoreItem xmlns:ds="http://schemas.openxmlformats.org/officeDocument/2006/customXml" ds:itemID="{9DFCC198-DBFA-46B2-A241-8E3888E63670}">
+  <ds:schemaRefs>
+    <ds:schemaRef ds:uri="http://schemas.microsoft.com/office/2006/metadata/properties"/>
+    <ds:schemaRef ds:uri="http://schemas.microsoft.com/office/infopath/2007/PartnerControls"/>
+    <ds:schemaRef ds:uri="71af3243-3dd4-4a8d-8c0d-dd76da1f02a5"/>
+  </ds:schemaRefs>
+</ds:datastoreItem>
+</file>
+
 <file path=customXml/itemProps3.xml><?xml version="1.0" encoding="utf-8"?>
 <ds:datastoreItem xmlns:ds="http://schemas.openxmlformats.org/officeDocument/2006/customXml" ds:itemID="{C0DCE9DA-F7FD-45FA-83B7-D9813A44258A}">
   <ds:schemaRefs>
